--- a/分享/分享.pptx
+++ b/分享/分享.pptx
@@ -5,7 +5,7 @@
     <p:sldMasterId id="2147483648" r:id="rId1"/>
   </p:sldMasterIdLst>
   <p:notesMasterIdLst>
-    <p:notesMasterId r:id="rId17"/>
+    <p:notesMasterId r:id="rId18"/>
   </p:notesMasterIdLst>
   <p:sldIdLst>
     <p:sldId id="256" r:id="rId2"/>
@@ -16,13 +16,14 @@
     <p:sldId id="261" r:id="rId7"/>
     <p:sldId id="270" r:id="rId8"/>
     <p:sldId id="262" r:id="rId9"/>
-    <p:sldId id="263" r:id="rId10"/>
-    <p:sldId id="264" r:id="rId11"/>
-    <p:sldId id="265" r:id="rId12"/>
-    <p:sldId id="266" r:id="rId13"/>
-    <p:sldId id="267" r:id="rId14"/>
-    <p:sldId id="269" r:id="rId15"/>
-    <p:sldId id="268" r:id="rId16"/>
+    <p:sldId id="271" r:id="rId10"/>
+    <p:sldId id="263" r:id="rId11"/>
+    <p:sldId id="264" r:id="rId12"/>
+    <p:sldId id="265" r:id="rId13"/>
+    <p:sldId id="266" r:id="rId14"/>
+    <p:sldId id="267" r:id="rId15"/>
+    <p:sldId id="269" r:id="rId16"/>
+    <p:sldId id="268" r:id="rId17"/>
   </p:sldIdLst>
   <p:sldSz cx="12192000" cy="6858000"/>
   <p:notesSz cx="6858000" cy="9144000"/>
@@ -3416,31 +3417,34 @@
           <a:lstStyle/>
           <a:p>
             <a:r>
+              <a:rPr kumimoji="1" lang="en-US" altLang="zh-CN" dirty="0"/>
+              <a:t>APP</a:t>
+            </a:r>
+            <a:r>
+              <a:rPr kumimoji="1" lang="zh-CN" altLang="en-US" dirty="0"/>
+              <a:t>有比较亮眼</a:t>
+            </a:r>
+          </a:p>
+        </p:txBody>
+      </p:sp>
+      <p:sp>
+        <p:nvSpPr>
+          <p:cNvPr id="3" name="副标题 2"/>
+          <p:cNvSpPr>
+            <a:spLocks noGrp="1"/>
+          </p:cNvSpPr>
+          <p:nvPr>
+            <p:ph type="subTitle" idx="1"/>
+          </p:nvPr>
+        </p:nvSpPr>
+        <p:spPr/>
+        <p:txBody>
+          <a:bodyPr/>
+          <a:lstStyle/>
+          <a:p>
+            <a:r>
               <a:rPr kumimoji="1" lang="zh-CN" altLang="en-US" dirty="0" smtClean="0"/>
-              <a:t>让用户信任</a:t>
-            </a:r>
-            <a:endParaRPr kumimoji="1" lang="zh-CN" altLang="en-US" dirty="0"/>
-          </a:p>
-        </p:txBody>
-      </p:sp>
-      <p:sp>
-        <p:nvSpPr>
-          <p:cNvPr id="3" name="副标题 2"/>
-          <p:cNvSpPr>
-            <a:spLocks noGrp="1"/>
-          </p:cNvSpPr>
-          <p:nvPr>
-            <p:ph type="subTitle" idx="1"/>
-          </p:nvPr>
-        </p:nvSpPr>
-        <p:spPr/>
-        <p:txBody>
-          <a:bodyPr/>
-          <a:lstStyle/>
-          <a:p>
-            <a:r>
-              <a:rPr kumimoji="1" lang="zh-CN" altLang="en-US" dirty="0" smtClean="0"/>
-              <a:t>服务</a:t>
+              <a:t>同问</a:t>
             </a:r>
             <a:endParaRPr kumimoji="1" lang="zh-CN" altLang="en-US" dirty="0"/>
           </a:p>
@@ -3449,7 +3453,7 @@
     </p:spTree>
     <p:extLst>
       <p:ext uri="{BB962C8B-B14F-4D97-AF65-F5344CB8AC3E}">
-        <p14:creationId xmlns:p14="http://schemas.microsoft.com/office/powerpoint/2010/main" val="1298306656"/>
+        <p14:creationId xmlns:p14="http://schemas.microsoft.com/office/powerpoint/2010/main" val="644612499"/>
       </p:ext>
     </p:extLst>
   </p:cSld>
@@ -3493,7 +3497,7 @@
           <a:p>
             <a:r>
               <a:rPr kumimoji="1" lang="zh-CN" altLang="en-US" dirty="0" smtClean="0"/>
-              <a:t>用户场景</a:t>
+              <a:t>让用户信任</a:t>
             </a:r>
             <a:endParaRPr kumimoji="1" lang="zh-CN" altLang="en-US" dirty="0"/>
           </a:p>
@@ -3519,70 +3523,13 @@
               <a:t>服务</a:t>
             </a:r>
             <a:endParaRPr kumimoji="1" lang="zh-CN" altLang="en-US" dirty="0"/>
-          </a:p>
-        </p:txBody>
-      </p:sp>
-      <p:sp>
-        <p:nvSpPr>
-          <p:cNvPr id="4" name="文本框 3"/>
-          <p:cNvSpPr txBox="1"/>
-          <p:nvPr/>
-        </p:nvSpPr>
-        <p:spPr>
-          <a:xfrm>
-            <a:off x="2273300" y="4245253"/>
-            <a:ext cx="6248827" cy="369332"/>
-          </a:xfrm>
-          <a:prstGeom prst="rect">
-            <a:avLst/>
-          </a:prstGeom>
-          <a:noFill/>
-        </p:spPr>
-        <p:txBody>
-          <a:bodyPr wrap="none" rtlCol="0">
-            <a:spAutoFit/>
-          </a:bodyPr>
-          <a:lstStyle/>
-          <a:p>
-            <a:r>
-              <a:rPr kumimoji="1" lang="zh-CN" altLang="en-US" dirty="0"/>
-              <a:t>能模拟出正确的用户场景的人把握住关键 别太挫也就能成了</a:t>
-            </a:r>
-          </a:p>
-        </p:txBody>
-      </p:sp>
-      <p:sp>
-        <p:nvSpPr>
-          <p:cNvPr id="5" name="矩形 4"/>
-          <p:cNvSpPr/>
-          <p:nvPr/>
-        </p:nvSpPr>
-        <p:spPr>
-          <a:xfrm>
-            <a:off x="4964921" y="3244334"/>
-            <a:ext cx="2262158" cy="369332"/>
-          </a:xfrm>
-          <a:prstGeom prst="rect">
-            <a:avLst/>
-          </a:prstGeom>
-        </p:spPr>
-        <p:txBody>
-          <a:bodyPr wrap="none">
-            <a:spAutoFit/>
-          </a:bodyPr>
-          <a:lstStyle/>
-          <a:p>
-            <a:r>
-              <a:rPr lang="zh-CN" altLang="en-US" dirty="0"/>
-              <a:t>线上线下结合的运用</a:t>
-            </a:r>
           </a:p>
         </p:txBody>
       </p:sp>
     </p:spTree>
     <p:extLst>
       <p:ext uri="{BB962C8B-B14F-4D97-AF65-F5344CB8AC3E}">
-        <p14:creationId xmlns:p14="http://schemas.microsoft.com/office/powerpoint/2010/main" val="1341060212"/>
+        <p14:creationId xmlns:p14="http://schemas.microsoft.com/office/powerpoint/2010/main" val="1298306656"/>
       </p:ext>
     </p:extLst>
   </p:cSld>
@@ -3611,13 +3558,88 @@
       </p:grpSpPr>
       <p:sp>
         <p:nvSpPr>
+          <p:cNvPr id="2" name="标题 1"/>
+          <p:cNvSpPr>
+            <a:spLocks noGrp="1"/>
+          </p:cNvSpPr>
+          <p:nvPr>
+            <p:ph type="ctrTitle"/>
+          </p:nvPr>
+        </p:nvSpPr>
+        <p:spPr/>
+        <p:txBody>
+          <a:bodyPr/>
+          <a:lstStyle/>
+          <a:p>
+            <a:r>
+              <a:rPr kumimoji="1" lang="zh-CN" altLang="en-US" dirty="0" smtClean="0"/>
+              <a:t>用户场景</a:t>
+            </a:r>
+            <a:endParaRPr kumimoji="1" lang="zh-CN" altLang="en-US" dirty="0"/>
+          </a:p>
+        </p:txBody>
+      </p:sp>
+      <p:sp>
+        <p:nvSpPr>
+          <p:cNvPr id="3" name="副标题 2"/>
+          <p:cNvSpPr>
+            <a:spLocks noGrp="1"/>
+          </p:cNvSpPr>
+          <p:nvPr>
+            <p:ph type="subTitle" idx="1"/>
+          </p:nvPr>
+        </p:nvSpPr>
+        <p:spPr/>
+        <p:txBody>
+          <a:bodyPr/>
+          <a:lstStyle/>
+          <a:p>
+            <a:r>
+              <a:rPr kumimoji="1" lang="zh-CN" altLang="en-US" dirty="0" smtClean="0"/>
+              <a:t>服务</a:t>
+            </a:r>
+            <a:endParaRPr kumimoji="1" lang="zh-CN" altLang="en-US" dirty="0"/>
+          </a:p>
+        </p:txBody>
+      </p:sp>
+      <p:sp>
+        <p:nvSpPr>
+          <p:cNvPr id="4" name="文本框 3"/>
+          <p:cNvSpPr txBox="1"/>
+          <p:nvPr/>
+        </p:nvSpPr>
+        <p:spPr>
+          <a:xfrm>
+            <a:off x="2273300" y="4245253"/>
+            <a:ext cx="6248827" cy="369332"/>
+          </a:xfrm>
+          <a:prstGeom prst="rect">
+            <a:avLst/>
+          </a:prstGeom>
+          <a:noFill/>
+        </p:spPr>
+        <p:txBody>
+          <a:bodyPr wrap="none" rtlCol="0">
+            <a:spAutoFit/>
+          </a:bodyPr>
+          <a:lstStyle/>
+          <a:p>
+            <a:r>
+              <a:rPr kumimoji="1" lang="zh-CN" altLang="en-US" dirty="0"/>
+              <a:t>能模拟出正确的用户场景的人把握住关键 别太挫也就能成了</a:t>
+            </a:r>
+          </a:p>
+        </p:txBody>
+      </p:sp>
+      <p:sp>
+        <p:nvSpPr>
           <p:cNvPr id="5" name="矩形 4"/>
           <p:cNvSpPr/>
           <p:nvPr/>
         </p:nvSpPr>
         <p:spPr>
           <a:xfrm>
-            <a:off x="1955021" y="1123434"/>
+            <a:off x="4964921" y="3244334"/>
             <a:ext cx="2262158" cy="369332"/>
           </a:xfrm>
           <a:prstGeom prst="rect">
@@ -3637,94 +3659,10 @@
           </a:p>
         </p:txBody>
       </p:sp>
-      <p:sp>
-        <p:nvSpPr>
-          <p:cNvPr id="8" name="矩形 7"/>
-          <p:cNvSpPr/>
-          <p:nvPr/>
-        </p:nvSpPr>
-        <p:spPr>
-          <a:xfrm>
-            <a:off x="1803400" y="1722735"/>
-            <a:ext cx="6096000" cy="923330"/>
-          </a:xfrm>
-          <a:prstGeom prst="rect">
-            <a:avLst/>
-          </a:prstGeom>
-        </p:spPr>
-        <p:txBody>
-          <a:bodyPr>
-            <a:spAutoFit/>
-          </a:bodyPr>
-          <a:lstStyle/>
-          <a:p>
-            <a:r>
-              <a:rPr lang="zh-CN" altLang="en-US" dirty="0"/>
-              <a:t>打个比方，如果让你说一下大部分用户在线下会怎么做一件事情，你能把这个想清楚然后保证你想的不是一小部分人的需求吗？</a:t>
-            </a:r>
-          </a:p>
-        </p:txBody>
-      </p:sp>
-      <p:sp>
-        <p:nvSpPr>
-          <p:cNvPr id="9" name="矩形 8"/>
-          <p:cNvSpPr/>
-          <p:nvPr/>
-        </p:nvSpPr>
-        <p:spPr>
-          <a:xfrm>
-            <a:off x="3048000" y="3105835"/>
-            <a:ext cx="6096000" cy="646331"/>
-          </a:xfrm>
-          <a:prstGeom prst="rect">
-            <a:avLst/>
-          </a:prstGeom>
-        </p:spPr>
-        <p:txBody>
-          <a:bodyPr>
-            <a:spAutoFit/>
-          </a:bodyPr>
-          <a:lstStyle/>
-          <a:p>
-            <a:r>
-              <a:rPr lang="zh-CN" altLang="en-US" dirty="0"/>
-              <a:t>你能把你线上的业务替换线下的业务，或者插到他线下的业务中必须去做</a:t>
-            </a:r>
-          </a:p>
-        </p:txBody>
-      </p:sp>
-      <p:sp>
-        <p:nvSpPr>
-          <p:cNvPr id="10" name="矩形 9"/>
-          <p:cNvSpPr/>
-          <p:nvPr/>
-        </p:nvSpPr>
-        <p:spPr>
-          <a:xfrm>
-            <a:off x="1148710" y="4539734"/>
-            <a:ext cx="3068469" cy="369332"/>
-          </a:xfrm>
-          <a:prstGeom prst="rect">
-            <a:avLst/>
-          </a:prstGeom>
-        </p:spPr>
-        <p:txBody>
-          <a:bodyPr wrap="none">
-            <a:spAutoFit/>
-          </a:bodyPr>
-          <a:lstStyle/>
-          <a:p>
-            <a:r>
-              <a:rPr lang="zh-CN" altLang="en-US"/>
-              <a:t>是好的产品要能看到未来啊 ,</a:t>
-            </a:r>
-          </a:p>
-        </p:txBody>
-      </p:sp>
     </p:spTree>
     <p:extLst>
       <p:ext uri="{BB962C8B-B14F-4D97-AF65-F5344CB8AC3E}">
-        <p14:creationId xmlns:p14="http://schemas.microsoft.com/office/powerpoint/2010/main" val="1923907603"/>
+        <p14:creationId xmlns:p14="http://schemas.microsoft.com/office/powerpoint/2010/main" val="1341060212"/>
       </p:ext>
     </p:extLst>
   </p:cSld>
@@ -3753,57 +3691,120 @@
       </p:grpSpPr>
       <p:sp>
         <p:nvSpPr>
-          <p:cNvPr id="2" name="标题 1"/>
-          <p:cNvSpPr>
-            <a:spLocks noGrp="1"/>
-          </p:cNvSpPr>
-          <p:nvPr>
-            <p:ph type="title"/>
-          </p:nvPr>
-        </p:nvSpPr>
-        <p:spPr/>
-        <p:txBody>
-          <a:bodyPr/>
-          <a:lstStyle/>
-          <a:p>
-            <a:r>
-              <a:rPr kumimoji="1" lang="zh-CN" altLang="en-US" dirty="0" smtClean="0"/>
-              <a:t>天下武功为快不破</a:t>
-            </a:r>
-            <a:r>
-              <a:rPr kumimoji="1" lang="en-US" altLang="zh-CN" smtClean="0"/>
-              <a:t/>
-            </a:r>
-            <a:br>
-              <a:rPr kumimoji="1" lang="en-US" altLang="zh-CN" smtClean="0"/>
-            </a:br>
-            <a:endParaRPr kumimoji="1" lang="zh-CN" altLang="en-US"/>
-          </a:p>
-        </p:txBody>
-      </p:sp>
-      <p:sp>
-        <p:nvSpPr>
-          <p:cNvPr id="3" name="内容占位符 2"/>
-          <p:cNvSpPr>
-            <a:spLocks noGrp="1"/>
-          </p:cNvSpPr>
-          <p:nvPr>
-            <p:ph idx="1"/>
-          </p:nvPr>
-        </p:nvSpPr>
-        <p:spPr/>
-        <p:txBody>
-          <a:bodyPr/>
-          <a:lstStyle/>
-          <a:p>
-            <a:endParaRPr kumimoji="1" lang="zh-CN" altLang="en-US"/>
+          <p:cNvPr id="5" name="矩形 4"/>
+          <p:cNvSpPr/>
+          <p:nvPr/>
+        </p:nvSpPr>
+        <p:spPr>
+          <a:xfrm>
+            <a:off x="1955021" y="1123434"/>
+            <a:ext cx="2262158" cy="369332"/>
+          </a:xfrm>
+          <a:prstGeom prst="rect">
+            <a:avLst/>
+          </a:prstGeom>
+        </p:spPr>
+        <p:txBody>
+          <a:bodyPr wrap="none">
+            <a:spAutoFit/>
+          </a:bodyPr>
+          <a:lstStyle/>
+          <a:p>
+            <a:r>
+              <a:rPr lang="zh-CN" altLang="en-US" dirty="0"/>
+              <a:t>线上线下结合的运用</a:t>
+            </a:r>
+          </a:p>
+        </p:txBody>
+      </p:sp>
+      <p:sp>
+        <p:nvSpPr>
+          <p:cNvPr id="8" name="矩形 7"/>
+          <p:cNvSpPr/>
+          <p:nvPr/>
+        </p:nvSpPr>
+        <p:spPr>
+          <a:xfrm>
+            <a:off x="1803400" y="1722735"/>
+            <a:ext cx="6096000" cy="923330"/>
+          </a:xfrm>
+          <a:prstGeom prst="rect">
+            <a:avLst/>
+          </a:prstGeom>
+        </p:spPr>
+        <p:txBody>
+          <a:bodyPr>
+            <a:spAutoFit/>
+          </a:bodyPr>
+          <a:lstStyle/>
+          <a:p>
+            <a:r>
+              <a:rPr lang="zh-CN" altLang="en-US" dirty="0"/>
+              <a:t>打个比方，如果让你说一下大部分用户在线下会怎么做一件事情，你能把这个想清楚然后保证你想的不是一小部分人的需求吗？</a:t>
+            </a:r>
+          </a:p>
+        </p:txBody>
+      </p:sp>
+      <p:sp>
+        <p:nvSpPr>
+          <p:cNvPr id="9" name="矩形 8"/>
+          <p:cNvSpPr/>
+          <p:nvPr/>
+        </p:nvSpPr>
+        <p:spPr>
+          <a:xfrm>
+            <a:off x="3048000" y="3105835"/>
+            <a:ext cx="6096000" cy="646331"/>
+          </a:xfrm>
+          <a:prstGeom prst="rect">
+            <a:avLst/>
+          </a:prstGeom>
+        </p:spPr>
+        <p:txBody>
+          <a:bodyPr>
+            <a:spAutoFit/>
+          </a:bodyPr>
+          <a:lstStyle/>
+          <a:p>
+            <a:r>
+              <a:rPr lang="zh-CN" altLang="en-US" dirty="0"/>
+              <a:t>你能把你线上的业务替换线下的业务，或者插到他线下的业务中必须去做</a:t>
+            </a:r>
+          </a:p>
+        </p:txBody>
+      </p:sp>
+      <p:sp>
+        <p:nvSpPr>
+          <p:cNvPr id="10" name="矩形 9"/>
+          <p:cNvSpPr/>
+          <p:nvPr/>
+        </p:nvSpPr>
+        <p:spPr>
+          <a:xfrm>
+            <a:off x="1148710" y="4539734"/>
+            <a:ext cx="3068469" cy="369332"/>
+          </a:xfrm>
+          <a:prstGeom prst="rect">
+            <a:avLst/>
+          </a:prstGeom>
+        </p:spPr>
+        <p:txBody>
+          <a:bodyPr wrap="none">
+            <a:spAutoFit/>
+          </a:bodyPr>
+          <a:lstStyle/>
+          <a:p>
+            <a:r>
+              <a:rPr lang="zh-CN" altLang="en-US"/>
+              <a:t>是好的产品要能看到未来啊 ,</a:t>
+            </a:r>
           </a:p>
         </p:txBody>
       </p:sp>
     </p:spTree>
     <p:extLst>
       <p:ext uri="{BB962C8B-B14F-4D97-AF65-F5344CB8AC3E}">
-        <p14:creationId xmlns:p14="http://schemas.microsoft.com/office/powerpoint/2010/main" val="281262999"/>
+        <p14:creationId xmlns:p14="http://schemas.microsoft.com/office/powerpoint/2010/main" val="1923907603"/>
       </p:ext>
     </p:extLst>
   </p:cSld>
@@ -3840,6 +3841,85 @@
             <p:ph type="title"/>
           </p:nvPr>
         </p:nvSpPr>
+        <p:spPr/>
+        <p:txBody>
+          <a:bodyPr/>
+          <a:lstStyle/>
+          <a:p>
+            <a:r>
+              <a:rPr kumimoji="1" lang="zh-CN" altLang="en-US" dirty="0" smtClean="0"/>
+              <a:t>天下武功为快不破</a:t>
+            </a:r>
+            <a:r>
+              <a:rPr kumimoji="1" lang="en-US" altLang="zh-CN" smtClean="0"/>
+              <a:t/>
+            </a:r>
+            <a:br>
+              <a:rPr kumimoji="1" lang="en-US" altLang="zh-CN" smtClean="0"/>
+            </a:br>
+            <a:endParaRPr kumimoji="1" lang="zh-CN" altLang="en-US"/>
+          </a:p>
+        </p:txBody>
+      </p:sp>
+      <p:sp>
+        <p:nvSpPr>
+          <p:cNvPr id="3" name="内容占位符 2"/>
+          <p:cNvSpPr>
+            <a:spLocks noGrp="1"/>
+          </p:cNvSpPr>
+          <p:nvPr>
+            <p:ph idx="1"/>
+          </p:nvPr>
+        </p:nvSpPr>
+        <p:spPr/>
+        <p:txBody>
+          <a:bodyPr/>
+          <a:lstStyle/>
+          <a:p>
+            <a:endParaRPr kumimoji="1" lang="zh-CN" altLang="en-US"/>
+          </a:p>
+        </p:txBody>
+      </p:sp>
+    </p:spTree>
+    <p:extLst>
+      <p:ext uri="{BB962C8B-B14F-4D97-AF65-F5344CB8AC3E}">
+        <p14:creationId xmlns:p14="http://schemas.microsoft.com/office/powerpoint/2010/main" val="281262999"/>
+      </p:ext>
+    </p:extLst>
+  </p:cSld>
+  <p:clrMapOvr>
+    <a:masterClrMapping/>
+  </p:clrMapOvr>
+</p:sld>
+</file>
+
+<file path=ppt/slides/slide15.xml><?xml version="1.0" encoding="utf-8"?>
+<p:sld xmlns:a="http://schemas.openxmlformats.org/drawingml/2006/main" xmlns:r="http://schemas.openxmlformats.org/officeDocument/2006/relationships" xmlns:p="http://schemas.openxmlformats.org/presentationml/2006/main">
+  <p:cSld>
+    <p:spTree>
+      <p:nvGrpSpPr>
+        <p:cNvPr id="1" name=""/>
+        <p:cNvGrpSpPr/>
+        <p:nvPr/>
+      </p:nvGrpSpPr>
+      <p:grpSpPr>
+        <a:xfrm>
+          <a:off x="0" y="0"/>
+          <a:ext cx="0" cy="0"/>
+          <a:chOff x="0" y="0"/>
+          <a:chExt cx="0" cy="0"/>
+        </a:xfrm>
+      </p:grpSpPr>
+      <p:sp>
+        <p:nvSpPr>
+          <p:cNvPr id="2" name="标题 1"/>
+          <p:cNvSpPr>
+            <a:spLocks noGrp="1"/>
+          </p:cNvSpPr>
+          <p:nvPr>
+            <p:ph type="title"/>
+          </p:nvPr>
+        </p:nvSpPr>
         <p:spPr>
           <a:xfrm>
             <a:off x="838200" y="365126"/>
@@ -3944,7 +4024,7 @@
 </p:sld>
 </file>
 
-<file path=ppt/slides/slide15.xml><?xml version="1.0" encoding="utf-8"?>
+<file path=ppt/slides/slide16.xml><?xml version="1.0" encoding="utf-8"?>
 <p:sld xmlns:a="http://schemas.openxmlformats.org/drawingml/2006/main" xmlns:r="http://schemas.openxmlformats.org/officeDocument/2006/relationships" xmlns:p="http://schemas.openxmlformats.org/presentationml/2006/main">
   <p:cSld>
     <p:spTree>
@@ -4404,11 +4484,7 @@
           <a:p>
             <a:r>
               <a:rPr kumimoji="1" lang="zh-CN" altLang="en-US" dirty="0" smtClean="0"/>
-              <a:t>教育行业</a:t>
-            </a:r>
-            <a:r>
-              <a:rPr kumimoji="1" lang="zh-CN" altLang="en-US" dirty="0" smtClean="0"/>
-              <a:t>未来的思考</a:t>
+              <a:t>教育行业未来的思考</a:t>
             </a:r>
             <a:endParaRPr kumimoji="1" lang="zh-CN" altLang="en-US" dirty="0"/>
           </a:p>
@@ -4676,7 +4752,38 @@
             <a:spLocks noGrp="1"/>
           </p:cNvSpPr>
           <p:nvPr>
-            <p:ph type="ctrTitle"/>
+            <p:ph type="title"/>
+          </p:nvPr>
+        </p:nvSpPr>
+        <p:spPr/>
+        <p:txBody>
+          <a:bodyPr/>
+          <a:lstStyle/>
+          <a:p>
+            <a:r>
+              <a:rPr kumimoji="1" lang="zh-CN" altLang="en-US" dirty="0" smtClean="0"/>
+              <a:t>司考</a:t>
+            </a:r>
+            <a:r>
+              <a:rPr kumimoji="1" lang="en-US" altLang="zh-CN" dirty="0" smtClean="0"/>
+              <a:t>app</a:t>
+            </a:r>
+            <a:r>
+              <a:rPr kumimoji="1" lang="zh-CN" altLang="en-US" smtClean="0"/>
+              <a:t>的分析</a:t>
+            </a:r>
+            <a:endParaRPr kumimoji="1" lang="zh-CN" altLang="en-US" dirty="0"/>
+          </a:p>
+        </p:txBody>
+      </p:sp>
+      <p:sp>
+        <p:nvSpPr>
+          <p:cNvPr id="3" name="内容占位符 2"/>
+          <p:cNvSpPr>
+            <a:spLocks noGrp="1"/>
+          </p:cNvSpPr>
+          <p:nvPr>
+            <p:ph idx="1"/>
           </p:nvPr>
         </p:nvSpPr>
         <p:spPr/>
@@ -4686,33 +4793,47 @@
           <a:p>
             <a:r>
               <a:rPr kumimoji="1" lang="en-US" altLang="zh-CN" dirty="0"/>
-              <a:t>APP</a:t>
-            </a:r>
-            <a:r>
-              <a:rPr kumimoji="1" lang="zh-CN" altLang="en-US" dirty="0"/>
-              <a:t>有比较亮眼</a:t>
-            </a:r>
-          </a:p>
-        </p:txBody>
-      </p:sp>
-      <p:sp>
-        <p:nvSpPr>
-          <p:cNvPr id="3" name="副标题 2"/>
-          <p:cNvSpPr>
-            <a:spLocks noGrp="1"/>
-          </p:cNvSpPr>
-          <p:nvPr>
-            <p:ph type="subTitle" idx="1"/>
-          </p:nvPr>
-        </p:nvSpPr>
-        <p:spPr/>
-        <p:txBody>
-          <a:bodyPr/>
-          <a:lstStyle/>
-          <a:p>
-            <a:r>
-              <a:rPr kumimoji="1" lang="zh-CN" altLang="en-US" dirty="0" smtClean="0"/>
-              <a:t>同问</a:t>
+              <a:t>https://</a:t>
+            </a:r>
+            <a:r>
+              <a:rPr kumimoji="1" lang="en-US" altLang="zh-CN" dirty="0" err="1"/>
+              <a:t>baijiahao.baidu.com</a:t>
+            </a:r>
+            <a:r>
+              <a:rPr kumimoji="1" lang="en-US" altLang="zh-CN" dirty="0"/>
+              <a:t>/</a:t>
+            </a:r>
+            <a:r>
+              <a:rPr kumimoji="1" lang="en-US" altLang="zh-CN" dirty="0" err="1"/>
+              <a:t>po</a:t>
+            </a:r>
+            <a:r>
+              <a:rPr kumimoji="1" lang="en-US" altLang="zh-CN" dirty="0"/>
+              <a:t>/feed/</a:t>
+            </a:r>
+            <a:r>
+              <a:rPr kumimoji="1" lang="en-US" altLang="zh-CN" dirty="0" err="1"/>
+              <a:t>share?wfr</a:t>
+            </a:r>
+            <a:r>
+              <a:rPr kumimoji="1" lang="en-US" altLang="zh-CN" dirty="0"/>
+              <a:t>=</a:t>
+            </a:r>
+            <a:r>
+              <a:rPr kumimoji="1" lang="en-US" altLang="zh-CN" dirty="0" err="1"/>
+              <a:t>spider&amp;for</a:t>
+            </a:r>
+            <a:r>
+              <a:rPr kumimoji="1" lang="en-US" altLang="zh-CN" dirty="0"/>
+              <a:t>=</a:t>
+            </a:r>
+            <a:r>
+              <a:rPr kumimoji="1" lang="en-US" altLang="zh-CN" dirty="0" err="1"/>
+              <a:t>pc&amp;context</a:t>
+            </a:r>
+            <a:r>
+              <a:rPr kumimoji="1" lang="en-US" altLang="zh-CN" dirty="0"/>
+              <a:t>=%7B%22sourceFrom%22%3A%22bjh%22%2C%22nid%22%3A%22news_3503589431928201289%22%7D</a:t>
             </a:r>
             <a:endParaRPr kumimoji="1" lang="zh-CN" altLang="en-US" dirty="0"/>
           </a:p>
@@ -4721,7 +4842,7 @@
     </p:spTree>
     <p:extLst>
       <p:ext uri="{BB962C8B-B14F-4D97-AF65-F5344CB8AC3E}">
-        <p14:creationId xmlns:p14="http://schemas.microsoft.com/office/powerpoint/2010/main" val="644612499"/>
+        <p14:creationId xmlns:p14="http://schemas.microsoft.com/office/powerpoint/2010/main" val="581462154"/>
       </p:ext>
     </p:extLst>
   </p:cSld>

--- a/分享/分享.pptx
+++ b/分享/分享.pptx
@@ -5,25 +5,27 @@
     <p:sldMasterId id="2147483648" r:id="rId1"/>
   </p:sldMasterIdLst>
   <p:notesMasterIdLst>
-    <p:notesMasterId r:id="rId18"/>
+    <p:notesMasterId r:id="rId20"/>
   </p:notesMasterIdLst>
   <p:sldIdLst>
     <p:sldId id="256" r:id="rId2"/>
-    <p:sldId id="260" r:id="rId3"/>
-    <p:sldId id="257" r:id="rId4"/>
-    <p:sldId id="258" r:id="rId5"/>
-    <p:sldId id="259" r:id="rId6"/>
-    <p:sldId id="261" r:id="rId7"/>
-    <p:sldId id="270" r:id="rId8"/>
-    <p:sldId id="262" r:id="rId9"/>
-    <p:sldId id="271" r:id="rId10"/>
-    <p:sldId id="263" r:id="rId11"/>
-    <p:sldId id="264" r:id="rId12"/>
-    <p:sldId id="265" r:id="rId13"/>
-    <p:sldId id="266" r:id="rId14"/>
-    <p:sldId id="267" r:id="rId15"/>
-    <p:sldId id="269" r:id="rId16"/>
-    <p:sldId id="268" r:id="rId17"/>
+    <p:sldId id="272" r:id="rId3"/>
+    <p:sldId id="273" r:id="rId4"/>
+    <p:sldId id="260" r:id="rId5"/>
+    <p:sldId id="257" r:id="rId6"/>
+    <p:sldId id="258" r:id="rId7"/>
+    <p:sldId id="259" r:id="rId8"/>
+    <p:sldId id="261" r:id="rId9"/>
+    <p:sldId id="270" r:id="rId10"/>
+    <p:sldId id="262" r:id="rId11"/>
+    <p:sldId id="271" r:id="rId12"/>
+    <p:sldId id="263" r:id="rId13"/>
+    <p:sldId id="264" r:id="rId14"/>
+    <p:sldId id="265" r:id="rId15"/>
+    <p:sldId id="266" r:id="rId16"/>
+    <p:sldId id="267" r:id="rId17"/>
+    <p:sldId id="269" r:id="rId18"/>
+    <p:sldId id="268" r:id="rId19"/>
   </p:sldIdLst>
   <p:sldSz cx="12192000" cy="6858000"/>
   <p:notesSz cx="6858000" cy="9144000"/>
@@ -212,7 +214,7 @@
           <a:p>
             <a:fld id="{095F9844-CED5-C442-96A8-8E8FD8D7D8CE}" type="datetimeFigureOut">
               <a:rPr kumimoji="1" lang="zh-CN" altLang="en-US" smtClean="0"/>
-              <a:t>2017/5/4</a:t>
+              <a:t>17/5/4</a:t>
             </a:fld>
             <a:endParaRPr kumimoji="1" lang="zh-CN" altLang="en-US"/>
           </a:p>
@@ -611,7 +613,7 @@
           <a:p>
             <a:fld id="{15A2DB48-532F-2547-92C4-32B9480C8FF8}" type="datetimeFigureOut">
               <a:rPr kumimoji="1" lang="zh-CN" altLang="en-US" smtClean="0"/>
-              <a:t>2017/5/4</a:t>
+              <a:t>17/5/4</a:t>
             </a:fld>
             <a:endParaRPr kumimoji="1" lang="zh-CN" altLang="en-US"/>
           </a:p>
@@ -781,7 +783,7 @@
           <a:p>
             <a:fld id="{15A2DB48-532F-2547-92C4-32B9480C8FF8}" type="datetimeFigureOut">
               <a:rPr kumimoji="1" lang="zh-CN" altLang="en-US" smtClean="0"/>
-              <a:t>2017/5/4</a:t>
+              <a:t>17/5/4</a:t>
             </a:fld>
             <a:endParaRPr kumimoji="1" lang="zh-CN" altLang="en-US"/>
           </a:p>
@@ -961,7 +963,7 @@
           <a:p>
             <a:fld id="{15A2DB48-532F-2547-92C4-32B9480C8FF8}" type="datetimeFigureOut">
               <a:rPr kumimoji="1" lang="zh-CN" altLang="en-US" smtClean="0"/>
-              <a:t>2017/5/4</a:t>
+              <a:t>17/5/4</a:t>
             </a:fld>
             <a:endParaRPr kumimoji="1" lang="zh-CN" altLang="en-US"/>
           </a:p>
@@ -1131,7 +1133,7 @@
           <a:p>
             <a:fld id="{15A2DB48-532F-2547-92C4-32B9480C8FF8}" type="datetimeFigureOut">
               <a:rPr kumimoji="1" lang="zh-CN" altLang="en-US" smtClean="0"/>
-              <a:t>2017/5/4</a:t>
+              <a:t>17/5/4</a:t>
             </a:fld>
             <a:endParaRPr kumimoji="1" lang="zh-CN" altLang="en-US"/>
           </a:p>
@@ -1377,7 +1379,7 @@
           <a:p>
             <a:fld id="{15A2DB48-532F-2547-92C4-32B9480C8FF8}" type="datetimeFigureOut">
               <a:rPr kumimoji="1" lang="zh-CN" altLang="en-US" smtClean="0"/>
-              <a:t>2017/5/4</a:t>
+              <a:t>17/5/4</a:t>
             </a:fld>
             <a:endParaRPr kumimoji="1" lang="zh-CN" altLang="en-US"/>
           </a:p>
@@ -1609,7 +1611,7 @@
           <a:p>
             <a:fld id="{15A2DB48-532F-2547-92C4-32B9480C8FF8}" type="datetimeFigureOut">
               <a:rPr kumimoji="1" lang="zh-CN" altLang="en-US" smtClean="0"/>
-              <a:t>2017/5/4</a:t>
+              <a:t>17/5/4</a:t>
             </a:fld>
             <a:endParaRPr kumimoji="1" lang="zh-CN" altLang="en-US"/>
           </a:p>
@@ -1976,7 +1978,7 @@
           <a:p>
             <a:fld id="{15A2DB48-532F-2547-92C4-32B9480C8FF8}" type="datetimeFigureOut">
               <a:rPr kumimoji="1" lang="zh-CN" altLang="en-US" smtClean="0"/>
-              <a:t>2017/5/4</a:t>
+              <a:t>17/5/4</a:t>
             </a:fld>
             <a:endParaRPr kumimoji="1" lang="zh-CN" altLang="en-US"/>
           </a:p>
@@ -2094,7 +2096,7 @@
           <a:p>
             <a:fld id="{15A2DB48-532F-2547-92C4-32B9480C8FF8}" type="datetimeFigureOut">
               <a:rPr kumimoji="1" lang="zh-CN" altLang="en-US" smtClean="0"/>
-              <a:t>2017/5/4</a:t>
+              <a:t>17/5/4</a:t>
             </a:fld>
             <a:endParaRPr kumimoji="1" lang="zh-CN" altLang="en-US"/>
           </a:p>
@@ -2189,7 +2191,7 @@
           <a:p>
             <a:fld id="{15A2DB48-532F-2547-92C4-32B9480C8FF8}" type="datetimeFigureOut">
               <a:rPr kumimoji="1" lang="zh-CN" altLang="en-US" smtClean="0"/>
-              <a:t>2017/5/4</a:t>
+              <a:t>17/5/4</a:t>
             </a:fld>
             <a:endParaRPr kumimoji="1" lang="zh-CN" altLang="en-US"/>
           </a:p>
@@ -2466,7 +2468,7 @@
           <a:p>
             <a:fld id="{15A2DB48-532F-2547-92C4-32B9480C8FF8}" type="datetimeFigureOut">
               <a:rPr kumimoji="1" lang="zh-CN" altLang="en-US" smtClean="0"/>
-              <a:t>2017/5/4</a:t>
+              <a:t>17/5/4</a:t>
             </a:fld>
             <a:endParaRPr kumimoji="1" lang="zh-CN" altLang="en-US"/>
           </a:p>
@@ -2719,7 +2721,7 @@
           <a:p>
             <a:fld id="{15A2DB48-532F-2547-92C4-32B9480C8FF8}" type="datetimeFigureOut">
               <a:rPr kumimoji="1" lang="zh-CN" altLang="en-US" smtClean="0"/>
-              <a:t>2017/5/4</a:t>
+              <a:t>17/5/4</a:t>
             </a:fld>
             <a:endParaRPr kumimoji="1" lang="zh-CN" altLang="en-US"/>
           </a:p>
@@ -2932,7 +2934,7 @@
           <a:p>
             <a:fld id="{15A2DB48-532F-2547-92C4-32B9480C8FF8}" type="datetimeFigureOut">
               <a:rPr kumimoji="1" lang="zh-CN" altLang="en-US" smtClean="0"/>
-              <a:t>2017/5/4</a:t>
+              <a:t>17/5/4</a:t>
             </a:fld>
             <a:endParaRPr kumimoji="1" lang="zh-CN" altLang="en-US"/>
           </a:p>
@@ -3349,23 +3351,161 @@
         </p:nvSpPr>
         <p:spPr>
           <a:xfrm>
-            <a:off x="1351722" y="980661"/>
-            <a:ext cx="9144000" cy="887896"/>
+            <a:off x="1166192" y="0"/>
+            <a:ext cx="8971721" cy="874643"/>
           </a:xfrm>
         </p:spPr>
         <p:txBody>
           <a:bodyPr>
-            <a:normAutofit fontScale="90000"/>
+            <a:normAutofit/>
           </a:bodyPr>
           <a:lstStyle/>
           <a:p>
             <a:r>
-              <a:rPr kumimoji="1" lang="en-US" altLang="zh-CN" dirty="0" smtClean="0"/>
-              <a:t>app</a:t>
-            </a:r>
-            <a:r>
-              <a:rPr kumimoji="1" lang="zh-CN" altLang="en-US" dirty="0" smtClean="0"/>
-              <a:t>的发展史</a:t>
+              <a:rPr kumimoji="1" lang="zh-CN" altLang="en-US" sz="4000" dirty="0" smtClean="0"/>
+              <a:t>我的准备</a:t>
+            </a:r>
+            <a:endParaRPr kumimoji="1" lang="zh-CN" altLang="en-US" sz="4000" dirty="0"/>
+          </a:p>
+        </p:txBody>
+      </p:sp>
+      <p:sp>
+        <p:nvSpPr>
+          <p:cNvPr id="3" name="矩形 2"/>
+          <p:cNvSpPr/>
+          <p:nvPr/>
+        </p:nvSpPr>
+        <p:spPr>
+          <a:xfrm>
+            <a:off x="912236" y="1826352"/>
+            <a:ext cx="3105337" cy="369332"/>
+          </a:xfrm>
+          <a:prstGeom prst="rect">
+            <a:avLst/>
+          </a:prstGeom>
+        </p:spPr>
+        <p:txBody>
+          <a:bodyPr wrap="none">
+            <a:spAutoFit/>
+          </a:bodyPr>
+          <a:lstStyle/>
+          <a:p>
+            <a:r>
+              <a:rPr lang="zh-CN" altLang="en-US" b="1"/>
+              <a:t>教育行业app未来的发展趋势</a:t>
+            </a:r>
+          </a:p>
+        </p:txBody>
+      </p:sp>
+      <p:sp>
+        <p:nvSpPr>
+          <p:cNvPr id="4" name="矩形 3"/>
+          <p:cNvSpPr/>
+          <p:nvPr/>
+        </p:nvSpPr>
+        <p:spPr>
+          <a:xfrm>
+            <a:off x="2464904" y="2778061"/>
+            <a:ext cx="2643672" cy="369332"/>
+          </a:xfrm>
+          <a:prstGeom prst="rect">
+            <a:avLst/>
+          </a:prstGeom>
+        </p:spPr>
+        <p:txBody>
+          <a:bodyPr wrap="none">
+            <a:spAutoFit/>
+          </a:bodyPr>
+          <a:lstStyle/>
+          <a:p>
+            <a:r>
+              <a:rPr lang="zh-CN" altLang="en-US" b="1"/>
+              <a:t>如何打造一个优秀的app</a:t>
+            </a:r>
+          </a:p>
+        </p:txBody>
+      </p:sp>
+      <p:sp>
+        <p:nvSpPr>
+          <p:cNvPr id="5" name="矩形 4"/>
+          <p:cNvSpPr/>
+          <p:nvPr/>
+        </p:nvSpPr>
+        <p:spPr>
+          <a:xfrm>
+            <a:off x="4919938" y="3729770"/>
+            <a:ext cx="2643672" cy="369332"/>
+          </a:xfrm>
+          <a:prstGeom prst="rect">
+            <a:avLst/>
+          </a:prstGeom>
+        </p:spPr>
+        <p:txBody>
+          <a:bodyPr wrap="none">
+            <a:spAutoFit/>
+          </a:bodyPr>
+          <a:lstStyle/>
+          <a:p>
+            <a:r>
+              <a:rPr lang="zh-CN" altLang="en-US" b="1"/>
+              <a:t>一个app应该具备的特点</a:t>
+            </a:r>
+          </a:p>
+        </p:txBody>
+      </p:sp>
+      <p:sp>
+        <p:nvSpPr>
+          <p:cNvPr id="6" name="矩形 5"/>
+          <p:cNvSpPr/>
+          <p:nvPr/>
+        </p:nvSpPr>
+        <p:spPr>
+          <a:xfrm>
+            <a:off x="6522550" y="4821343"/>
+            <a:ext cx="2937022" cy="369332"/>
+          </a:xfrm>
+          <a:prstGeom prst="rect">
+            <a:avLst/>
+          </a:prstGeom>
+        </p:spPr>
+        <p:txBody>
+          <a:bodyPr wrap="none">
+            <a:spAutoFit/>
+          </a:bodyPr>
+          <a:lstStyle/>
+          <a:p>
+            <a:r>
+              <a:rPr lang="zh-CN" altLang="en-US" b="1"/>
+              <a:t> 教育app的盈利模式的思考</a:t>
+            </a:r>
+          </a:p>
+        </p:txBody>
+      </p:sp>
+      <p:sp>
+        <p:nvSpPr>
+          <p:cNvPr id="7" name="文本框 6"/>
+          <p:cNvSpPr txBox="1"/>
+          <p:nvPr/>
+        </p:nvSpPr>
+        <p:spPr>
+          <a:xfrm>
+            <a:off x="9629440" y="5565913"/>
+            <a:ext cx="508473" cy="369332"/>
+          </a:xfrm>
+          <a:prstGeom prst="rect">
+            <a:avLst/>
+          </a:prstGeom>
+          <a:noFill/>
+        </p:spPr>
+        <p:txBody>
+          <a:bodyPr wrap="none" rtlCol="0">
+            <a:spAutoFit/>
+          </a:bodyPr>
+          <a:lstStyle/>
+          <a:p>
+            <a:r>
+              <a:rPr kumimoji="1" lang="is-IS" altLang="zh-CN" smtClean="0"/>
+              <a:t>……</a:t>
             </a:r>
             <a:endParaRPr kumimoji="1" lang="zh-CN" altLang="en-US" dirty="0"/>
           </a:p>
@@ -3417,13 +3557,18 @@
           <a:lstStyle/>
           <a:p>
             <a:r>
-              <a:rPr kumimoji="1" lang="en-US" altLang="zh-CN" dirty="0"/>
-              <a:t>APP</a:t>
-            </a:r>
-            <a:r>
-              <a:rPr kumimoji="1" lang="zh-CN" altLang="en-US" dirty="0"/>
-              <a:t>有比较亮眼</a:t>
-            </a:r>
+              <a:rPr kumimoji="1" lang="zh-CN" altLang="en-US" dirty="0" smtClean="0"/>
+              <a:t>优秀</a:t>
+            </a:r>
+            <a:r>
+              <a:rPr kumimoji="1" lang="en-US" altLang="zh-CN" dirty="0" smtClean="0"/>
+              <a:t>app</a:t>
+            </a:r>
+            <a:r>
+              <a:rPr kumimoji="1" lang="zh-CN" altLang="en-US" dirty="0" smtClean="0"/>
+              <a:t> 的分享</a:t>
+            </a:r>
+            <a:endParaRPr kumimoji="1" lang="zh-CN" altLang="en-US" dirty="0"/>
           </a:p>
         </p:txBody>
       </p:sp>
@@ -3442,10 +3587,6 @@
           <a:bodyPr/>
           <a:lstStyle/>
           <a:p>
-            <a:r>
-              <a:rPr kumimoji="1" lang="zh-CN" altLang="en-US" dirty="0" smtClean="0"/>
-              <a:t>同问</a:t>
-            </a:r>
             <a:endParaRPr kumimoji="1" lang="zh-CN" altLang="en-US" dirty="0"/>
           </a:p>
         </p:txBody>
@@ -3453,7 +3594,7 @@
     </p:spTree>
     <p:extLst>
       <p:ext uri="{BB962C8B-B14F-4D97-AF65-F5344CB8AC3E}">
-        <p14:creationId xmlns:p14="http://schemas.microsoft.com/office/powerpoint/2010/main" val="644612499"/>
+        <p14:creationId xmlns:p14="http://schemas.microsoft.com/office/powerpoint/2010/main" val="325458903"/>
       </p:ext>
     </p:extLst>
   </p:cSld>
@@ -3487,7 +3628,7 @@
             <a:spLocks noGrp="1"/>
           </p:cNvSpPr>
           <p:nvPr>
-            <p:ph type="ctrTitle"/>
+            <p:ph type="title"/>
           </p:nvPr>
         </p:nvSpPr>
         <p:spPr/>
@@ -3497,7 +3638,15 @@
           <a:p>
             <a:r>
               <a:rPr kumimoji="1" lang="zh-CN" altLang="en-US" dirty="0" smtClean="0"/>
-              <a:t>让用户信任</a:t>
+              <a:t>司考</a:t>
+            </a:r>
+            <a:r>
+              <a:rPr kumimoji="1" lang="en-US" altLang="zh-CN" dirty="0" smtClean="0"/>
+              <a:t>app</a:t>
+            </a:r>
+            <a:r>
+              <a:rPr kumimoji="1" lang="zh-CN" altLang="en-US" smtClean="0"/>
+              <a:t>的分析</a:t>
             </a:r>
             <a:endParaRPr kumimoji="1" lang="zh-CN" altLang="en-US" dirty="0"/>
           </a:p>
@@ -3505,22 +3654,62 @@
       </p:sp>
       <p:sp>
         <p:nvSpPr>
-          <p:cNvPr id="3" name="副标题 2"/>
-          <p:cNvSpPr>
-            <a:spLocks noGrp="1"/>
-          </p:cNvSpPr>
-          <p:nvPr>
-            <p:ph type="subTitle" idx="1"/>
-          </p:nvPr>
-        </p:nvSpPr>
-        <p:spPr/>
-        <p:txBody>
-          <a:bodyPr/>
-          <a:lstStyle/>
-          <a:p>
-            <a:r>
-              <a:rPr kumimoji="1" lang="zh-CN" altLang="en-US" dirty="0" smtClean="0"/>
-              <a:t>服务</a:t>
+          <p:cNvPr id="3" name="内容占位符 2"/>
+          <p:cNvSpPr>
+            <a:spLocks noGrp="1"/>
+          </p:cNvSpPr>
+          <p:nvPr>
+            <p:ph idx="1"/>
+          </p:nvPr>
+        </p:nvSpPr>
+        <p:spPr/>
+        <p:txBody>
+          <a:bodyPr/>
+          <a:lstStyle/>
+          <a:p>
+            <a:r>
+              <a:rPr kumimoji="1" lang="en-US" altLang="zh-CN" dirty="0"/>
+              <a:t>https://</a:t>
+            </a:r>
+            <a:r>
+              <a:rPr kumimoji="1" lang="en-US" altLang="zh-CN" dirty="0" err="1"/>
+              <a:t>baijiahao.baidu.com</a:t>
+            </a:r>
+            <a:r>
+              <a:rPr kumimoji="1" lang="en-US" altLang="zh-CN" dirty="0"/>
+              <a:t>/</a:t>
+            </a:r>
+            <a:r>
+              <a:rPr kumimoji="1" lang="en-US" altLang="zh-CN" dirty="0" err="1"/>
+              <a:t>po</a:t>
+            </a:r>
+            <a:r>
+              <a:rPr kumimoji="1" lang="en-US" altLang="zh-CN" dirty="0"/>
+              <a:t>/feed/</a:t>
+            </a:r>
+            <a:r>
+              <a:rPr kumimoji="1" lang="en-US" altLang="zh-CN" dirty="0" err="1"/>
+              <a:t>share?wfr</a:t>
+            </a:r>
+            <a:r>
+              <a:rPr kumimoji="1" lang="en-US" altLang="zh-CN" dirty="0"/>
+              <a:t>=</a:t>
+            </a:r>
+            <a:r>
+              <a:rPr kumimoji="1" lang="en-US" altLang="zh-CN" dirty="0" err="1"/>
+              <a:t>spider&amp;for</a:t>
+            </a:r>
+            <a:r>
+              <a:rPr kumimoji="1" lang="en-US" altLang="zh-CN" dirty="0"/>
+              <a:t>=</a:t>
+            </a:r>
+            <a:r>
+              <a:rPr kumimoji="1" lang="en-US" altLang="zh-CN" dirty="0" err="1"/>
+              <a:t>pc&amp;context</a:t>
+            </a:r>
+            <a:r>
+              <a:rPr kumimoji="1" lang="en-US" altLang="zh-CN" dirty="0"/>
+              <a:t>=%7B%22sourceFrom%22%3A%22bjh%22%2C%22nid%22%3A%22news_3503589431928201289%22%7D</a:t>
             </a:r>
             <a:endParaRPr kumimoji="1" lang="zh-CN" altLang="en-US" dirty="0"/>
           </a:p>
@@ -3529,7 +3718,7 @@
     </p:spTree>
     <p:extLst>
       <p:ext uri="{BB962C8B-B14F-4D97-AF65-F5344CB8AC3E}">
-        <p14:creationId xmlns:p14="http://schemas.microsoft.com/office/powerpoint/2010/main" val="1298306656"/>
+        <p14:creationId xmlns:p14="http://schemas.microsoft.com/office/powerpoint/2010/main" val="581462154"/>
       </p:ext>
     </p:extLst>
   </p:cSld>
@@ -3572,97 +3761,43 @@
           <a:lstStyle/>
           <a:p>
             <a:r>
+              <a:rPr kumimoji="1" lang="en-US" altLang="zh-CN" dirty="0"/>
+              <a:t>APP</a:t>
+            </a:r>
+            <a:r>
+              <a:rPr kumimoji="1" lang="zh-CN" altLang="en-US" dirty="0"/>
+              <a:t>有比较亮眼</a:t>
+            </a:r>
+          </a:p>
+        </p:txBody>
+      </p:sp>
+      <p:sp>
+        <p:nvSpPr>
+          <p:cNvPr id="3" name="副标题 2"/>
+          <p:cNvSpPr>
+            <a:spLocks noGrp="1"/>
+          </p:cNvSpPr>
+          <p:nvPr>
+            <p:ph type="subTitle" idx="1"/>
+          </p:nvPr>
+        </p:nvSpPr>
+        <p:spPr/>
+        <p:txBody>
+          <a:bodyPr/>
+          <a:lstStyle/>
+          <a:p>
+            <a:r>
               <a:rPr kumimoji="1" lang="zh-CN" altLang="en-US" dirty="0" smtClean="0"/>
-              <a:t>用户场景</a:t>
+              <a:t>同问</a:t>
             </a:r>
             <a:endParaRPr kumimoji="1" lang="zh-CN" altLang="en-US" dirty="0"/>
-          </a:p>
-        </p:txBody>
-      </p:sp>
-      <p:sp>
-        <p:nvSpPr>
-          <p:cNvPr id="3" name="副标题 2"/>
-          <p:cNvSpPr>
-            <a:spLocks noGrp="1"/>
-          </p:cNvSpPr>
-          <p:nvPr>
-            <p:ph type="subTitle" idx="1"/>
-          </p:nvPr>
-        </p:nvSpPr>
-        <p:spPr/>
-        <p:txBody>
-          <a:bodyPr/>
-          <a:lstStyle/>
-          <a:p>
-            <a:r>
-              <a:rPr kumimoji="1" lang="zh-CN" altLang="en-US" dirty="0" smtClean="0"/>
-              <a:t>服务</a:t>
-            </a:r>
-            <a:endParaRPr kumimoji="1" lang="zh-CN" altLang="en-US" dirty="0"/>
-          </a:p>
-        </p:txBody>
-      </p:sp>
-      <p:sp>
-        <p:nvSpPr>
-          <p:cNvPr id="4" name="文本框 3"/>
-          <p:cNvSpPr txBox="1"/>
-          <p:nvPr/>
-        </p:nvSpPr>
-        <p:spPr>
-          <a:xfrm>
-            <a:off x="2273300" y="4245253"/>
-            <a:ext cx="6248827" cy="369332"/>
-          </a:xfrm>
-          <a:prstGeom prst="rect">
-            <a:avLst/>
-          </a:prstGeom>
-          <a:noFill/>
-        </p:spPr>
-        <p:txBody>
-          <a:bodyPr wrap="none" rtlCol="0">
-            <a:spAutoFit/>
-          </a:bodyPr>
-          <a:lstStyle/>
-          <a:p>
-            <a:r>
-              <a:rPr kumimoji="1" lang="zh-CN" altLang="en-US" dirty="0"/>
-              <a:t>能模拟出正确的用户场景的人把握住关键 别太挫也就能成了</a:t>
-            </a:r>
-          </a:p>
-        </p:txBody>
-      </p:sp>
-      <p:sp>
-        <p:nvSpPr>
-          <p:cNvPr id="5" name="矩形 4"/>
-          <p:cNvSpPr/>
-          <p:nvPr/>
-        </p:nvSpPr>
-        <p:spPr>
-          <a:xfrm>
-            <a:off x="4964921" y="3244334"/>
-            <a:ext cx="2262158" cy="369332"/>
-          </a:xfrm>
-          <a:prstGeom prst="rect">
-            <a:avLst/>
-          </a:prstGeom>
-        </p:spPr>
-        <p:txBody>
-          <a:bodyPr wrap="none">
-            <a:spAutoFit/>
-          </a:bodyPr>
-          <a:lstStyle/>
-          <a:p>
-            <a:r>
-              <a:rPr lang="zh-CN" altLang="en-US" dirty="0"/>
-              <a:t>线上线下结合的运用</a:t>
-            </a:r>
           </a:p>
         </p:txBody>
       </p:sp>
     </p:spTree>
     <p:extLst>
       <p:ext uri="{BB962C8B-B14F-4D97-AF65-F5344CB8AC3E}">
-        <p14:creationId xmlns:p14="http://schemas.microsoft.com/office/powerpoint/2010/main" val="1341060212"/>
+        <p14:creationId xmlns:p14="http://schemas.microsoft.com/office/powerpoint/2010/main" val="644612499"/>
       </p:ext>
     </p:extLst>
   </p:cSld>
@@ -3691,120 +3826,54 @@
       </p:grpSpPr>
       <p:sp>
         <p:nvSpPr>
-          <p:cNvPr id="5" name="矩形 4"/>
-          <p:cNvSpPr/>
-          <p:nvPr/>
-        </p:nvSpPr>
-        <p:spPr>
-          <a:xfrm>
-            <a:off x="1955021" y="1123434"/>
-            <a:ext cx="2262158" cy="369332"/>
-          </a:xfrm>
-          <a:prstGeom prst="rect">
-            <a:avLst/>
-          </a:prstGeom>
-        </p:spPr>
-        <p:txBody>
-          <a:bodyPr wrap="none">
-            <a:spAutoFit/>
-          </a:bodyPr>
-          <a:lstStyle/>
-          <a:p>
-            <a:r>
-              <a:rPr lang="zh-CN" altLang="en-US" dirty="0"/>
-              <a:t>线上线下结合的运用</a:t>
-            </a:r>
-          </a:p>
-        </p:txBody>
-      </p:sp>
-      <p:sp>
-        <p:nvSpPr>
-          <p:cNvPr id="8" name="矩形 7"/>
-          <p:cNvSpPr/>
-          <p:nvPr/>
-        </p:nvSpPr>
-        <p:spPr>
-          <a:xfrm>
-            <a:off x="1803400" y="1722735"/>
-            <a:ext cx="6096000" cy="923330"/>
-          </a:xfrm>
-          <a:prstGeom prst="rect">
-            <a:avLst/>
-          </a:prstGeom>
-        </p:spPr>
-        <p:txBody>
-          <a:bodyPr>
-            <a:spAutoFit/>
-          </a:bodyPr>
-          <a:lstStyle/>
-          <a:p>
-            <a:r>
-              <a:rPr lang="zh-CN" altLang="en-US" dirty="0"/>
-              <a:t>打个比方，如果让你说一下大部分用户在线下会怎么做一件事情，你能把这个想清楚然后保证你想的不是一小部分人的需求吗？</a:t>
-            </a:r>
-          </a:p>
-        </p:txBody>
-      </p:sp>
-      <p:sp>
-        <p:nvSpPr>
-          <p:cNvPr id="9" name="矩形 8"/>
-          <p:cNvSpPr/>
-          <p:nvPr/>
-        </p:nvSpPr>
-        <p:spPr>
-          <a:xfrm>
-            <a:off x="3048000" y="3105835"/>
-            <a:ext cx="6096000" cy="646331"/>
-          </a:xfrm>
-          <a:prstGeom prst="rect">
-            <a:avLst/>
-          </a:prstGeom>
-        </p:spPr>
-        <p:txBody>
-          <a:bodyPr>
-            <a:spAutoFit/>
-          </a:bodyPr>
-          <a:lstStyle/>
-          <a:p>
-            <a:r>
-              <a:rPr lang="zh-CN" altLang="en-US" dirty="0"/>
-              <a:t>你能把你线上的业务替换线下的业务，或者插到他线下的业务中必须去做</a:t>
-            </a:r>
-          </a:p>
-        </p:txBody>
-      </p:sp>
-      <p:sp>
-        <p:nvSpPr>
-          <p:cNvPr id="10" name="矩形 9"/>
-          <p:cNvSpPr/>
-          <p:nvPr/>
-        </p:nvSpPr>
-        <p:spPr>
-          <a:xfrm>
-            <a:off x="1148710" y="4539734"/>
-            <a:ext cx="3068469" cy="369332"/>
-          </a:xfrm>
-          <a:prstGeom prst="rect">
-            <a:avLst/>
-          </a:prstGeom>
-        </p:spPr>
-        <p:txBody>
-          <a:bodyPr wrap="none">
-            <a:spAutoFit/>
-          </a:bodyPr>
-          <a:lstStyle/>
-          <a:p>
-            <a:r>
-              <a:rPr lang="zh-CN" altLang="en-US"/>
-              <a:t>是好的产品要能看到未来啊 ,</a:t>
-            </a:r>
+          <p:cNvPr id="2" name="标题 1"/>
+          <p:cNvSpPr>
+            <a:spLocks noGrp="1"/>
+          </p:cNvSpPr>
+          <p:nvPr>
+            <p:ph type="ctrTitle"/>
+          </p:nvPr>
+        </p:nvSpPr>
+        <p:spPr/>
+        <p:txBody>
+          <a:bodyPr/>
+          <a:lstStyle/>
+          <a:p>
+            <a:r>
+              <a:rPr kumimoji="1" lang="zh-CN" altLang="en-US" dirty="0" smtClean="0"/>
+              <a:t>让用户信任</a:t>
+            </a:r>
+            <a:endParaRPr kumimoji="1" lang="zh-CN" altLang="en-US" dirty="0"/>
+          </a:p>
+        </p:txBody>
+      </p:sp>
+      <p:sp>
+        <p:nvSpPr>
+          <p:cNvPr id="3" name="副标题 2"/>
+          <p:cNvSpPr>
+            <a:spLocks noGrp="1"/>
+          </p:cNvSpPr>
+          <p:nvPr>
+            <p:ph type="subTitle" idx="1"/>
+          </p:nvPr>
+        </p:nvSpPr>
+        <p:spPr/>
+        <p:txBody>
+          <a:bodyPr/>
+          <a:lstStyle/>
+          <a:p>
+            <a:r>
+              <a:rPr kumimoji="1" lang="zh-CN" altLang="en-US" dirty="0" smtClean="0"/>
+              <a:t>服务</a:t>
+            </a:r>
+            <a:endParaRPr kumimoji="1" lang="zh-CN" altLang="en-US" dirty="0"/>
           </a:p>
         </p:txBody>
       </p:sp>
     </p:spTree>
     <p:extLst>
       <p:ext uri="{BB962C8B-B14F-4D97-AF65-F5344CB8AC3E}">
-        <p14:creationId xmlns:p14="http://schemas.microsoft.com/office/powerpoint/2010/main" val="1923907603"/>
+        <p14:creationId xmlns:p14="http://schemas.microsoft.com/office/powerpoint/2010/main" val="1298306656"/>
       </p:ext>
     </p:extLst>
   </p:cSld>
@@ -3838,7 +3907,7 @@
             <a:spLocks noGrp="1"/>
           </p:cNvSpPr>
           <p:nvPr>
-            <p:ph type="title"/>
+            <p:ph type="ctrTitle"/>
           </p:nvPr>
         </p:nvSpPr>
         <p:spPr/>
@@ -3848,42 +3917,96 @@
           <a:p>
             <a:r>
               <a:rPr kumimoji="1" lang="zh-CN" altLang="en-US" dirty="0" smtClean="0"/>
-              <a:t>天下武功为快不破</a:t>
-            </a:r>
-            <a:r>
-              <a:rPr kumimoji="1" lang="en-US" altLang="zh-CN" smtClean="0"/>
-              <a:t/>
-            </a:r>
-            <a:br>
-              <a:rPr kumimoji="1" lang="en-US" altLang="zh-CN" smtClean="0"/>
-            </a:br>
-            <a:endParaRPr kumimoji="1" lang="zh-CN" altLang="en-US"/>
-          </a:p>
-        </p:txBody>
-      </p:sp>
-      <p:sp>
-        <p:nvSpPr>
-          <p:cNvPr id="3" name="内容占位符 2"/>
-          <p:cNvSpPr>
-            <a:spLocks noGrp="1"/>
-          </p:cNvSpPr>
-          <p:nvPr>
-            <p:ph idx="1"/>
-          </p:nvPr>
-        </p:nvSpPr>
-        <p:spPr/>
-        <p:txBody>
-          <a:bodyPr/>
-          <a:lstStyle/>
-          <a:p>
-            <a:endParaRPr kumimoji="1" lang="zh-CN" altLang="en-US"/>
+              <a:t>用户场景</a:t>
+            </a:r>
+            <a:endParaRPr kumimoji="1" lang="zh-CN" altLang="en-US" dirty="0"/>
+          </a:p>
+        </p:txBody>
+      </p:sp>
+      <p:sp>
+        <p:nvSpPr>
+          <p:cNvPr id="3" name="副标题 2"/>
+          <p:cNvSpPr>
+            <a:spLocks noGrp="1"/>
+          </p:cNvSpPr>
+          <p:nvPr>
+            <p:ph type="subTitle" idx="1"/>
+          </p:nvPr>
+        </p:nvSpPr>
+        <p:spPr/>
+        <p:txBody>
+          <a:bodyPr/>
+          <a:lstStyle/>
+          <a:p>
+            <a:r>
+              <a:rPr kumimoji="1" lang="zh-CN" altLang="en-US" dirty="0" smtClean="0"/>
+              <a:t>服务</a:t>
+            </a:r>
+            <a:endParaRPr kumimoji="1" lang="zh-CN" altLang="en-US" dirty="0"/>
+          </a:p>
+        </p:txBody>
+      </p:sp>
+      <p:sp>
+        <p:nvSpPr>
+          <p:cNvPr id="4" name="文本框 3"/>
+          <p:cNvSpPr txBox="1"/>
+          <p:nvPr/>
+        </p:nvSpPr>
+        <p:spPr>
+          <a:xfrm>
+            <a:off x="2273300" y="4245253"/>
+            <a:ext cx="6248827" cy="369332"/>
+          </a:xfrm>
+          <a:prstGeom prst="rect">
+            <a:avLst/>
+          </a:prstGeom>
+          <a:noFill/>
+        </p:spPr>
+        <p:txBody>
+          <a:bodyPr wrap="none" rtlCol="0">
+            <a:spAutoFit/>
+          </a:bodyPr>
+          <a:lstStyle/>
+          <a:p>
+            <a:r>
+              <a:rPr kumimoji="1" lang="zh-CN" altLang="en-US" dirty="0"/>
+              <a:t>能模拟出正确的用户场景的人把握住关键 别太挫也就能成了</a:t>
+            </a:r>
+          </a:p>
+        </p:txBody>
+      </p:sp>
+      <p:sp>
+        <p:nvSpPr>
+          <p:cNvPr id="5" name="矩形 4"/>
+          <p:cNvSpPr/>
+          <p:nvPr/>
+        </p:nvSpPr>
+        <p:spPr>
+          <a:xfrm>
+            <a:off x="4964921" y="3244334"/>
+            <a:ext cx="2262158" cy="369332"/>
+          </a:xfrm>
+          <a:prstGeom prst="rect">
+            <a:avLst/>
+          </a:prstGeom>
+        </p:spPr>
+        <p:txBody>
+          <a:bodyPr wrap="none">
+            <a:spAutoFit/>
+          </a:bodyPr>
+          <a:lstStyle/>
+          <a:p>
+            <a:r>
+              <a:rPr lang="zh-CN" altLang="en-US" dirty="0"/>
+              <a:t>线上线下结合的运用</a:t>
+            </a:r>
           </a:p>
         </p:txBody>
       </p:sp>
     </p:spTree>
     <p:extLst>
       <p:ext uri="{BB962C8B-B14F-4D97-AF65-F5344CB8AC3E}">
-        <p14:creationId xmlns:p14="http://schemas.microsoft.com/office/powerpoint/2010/main" val="281262999"/>
+        <p14:creationId xmlns:p14="http://schemas.microsoft.com/office/powerpoint/2010/main" val="1341060212"/>
       </p:ext>
     </p:extLst>
   </p:cSld>
@@ -3912,6 +4035,227 @@
       </p:grpSpPr>
       <p:sp>
         <p:nvSpPr>
+          <p:cNvPr id="5" name="矩形 4"/>
+          <p:cNvSpPr/>
+          <p:nvPr/>
+        </p:nvSpPr>
+        <p:spPr>
+          <a:xfrm>
+            <a:off x="1955021" y="1123434"/>
+            <a:ext cx="2262158" cy="369332"/>
+          </a:xfrm>
+          <a:prstGeom prst="rect">
+            <a:avLst/>
+          </a:prstGeom>
+        </p:spPr>
+        <p:txBody>
+          <a:bodyPr wrap="none">
+            <a:spAutoFit/>
+          </a:bodyPr>
+          <a:lstStyle/>
+          <a:p>
+            <a:r>
+              <a:rPr lang="zh-CN" altLang="en-US" dirty="0"/>
+              <a:t>线上线下结合的运用</a:t>
+            </a:r>
+          </a:p>
+        </p:txBody>
+      </p:sp>
+      <p:sp>
+        <p:nvSpPr>
+          <p:cNvPr id="8" name="矩形 7"/>
+          <p:cNvSpPr/>
+          <p:nvPr/>
+        </p:nvSpPr>
+        <p:spPr>
+          <a:xfrm>
+            <a:off x="1803400" y="1722735"/>
+            <a:ext cx="6096000" cy="923330"/>
+          </a:xfrm>
+          <a:prstGeom prst="rect">
+            <a:avLst/>
+          </a:prstGeom>
+        </p:spPr>
+        <p:txBody>
+          <a:bodyPr>
+            <a:spAutoFit/>
+          </a:bodyPr>
+          <a:lstStyle/>
+          <a:p>
+            <a:r>
+              <a:rPr lang="zh-CN" altLang="en-US" dirty="0"/>
+              <a:t>打个比方，如果让你说一下大部分用户在线下会怎么做一件事情，你能把这个想清楚然后保证你想的不是一小部分人的需求吗？</a:t>
+            </a:r>
+          </a:p>
+        </p:txBody>
+      </p:sp>
+      <p:sp>
+        <p:nvSpPr>
+          <p:cNvPr id="9" name="矩形 8"/>
+          <p:cNvSpPr/>
+          <p:nvPr/>
+        </p:nvSpPr>
+        <p:spPr>
+          <a:xfrm>
+            <a:off x="3048000" y="3105835"/>
+            <a:ext cx="6096000" cy="646331"/>
+          </a:xfrm>
+          <a:prstGeom prst="rect">
+            <a:avLst/>
+          </a:prstGeom>
+        </p:spPr>
+        <p:txBody>
+          <a:bodyPr>
+            <a:spAutoFit/>
+          </a:bodyPr>
+          <a:lstStyle/>
+          <a:p>
+            <a:r>
+              <a:rPr lang="zh-CN" altLang="en-US" dirty="0"/>
+              <a:t>你能把你线上的业务替换线下的业务，或者插到他线下的业务中必须去做</a:t>
+            </a:r>
+          </a:p>
+        </p:txBody>
+      </p:sp>
+      <p:sp>
+        <p:nvSpPr>
+          <p:cNvPr id="10" name="矩形 9"/>
+          <p:cNvSpPr/>
+          <p:nvPr/>
+        </p:nvSpPr>
+        <p:spPr>
+          <a:xfrm>
+            <a:off x="1148710" y="4539734"/>
+            <a:ext cx="3068469" cy="369332"/>
+          </a:xfrm>
+          <a:prstGeom prst="rect">
+            <a:avLst/>
+          </a:prstGeom>
+        </p:spPr>
+        <p:txBody>
+          <a:bodyPr wrap="none">
+            <a:spAutoFit/>
+          </a:bodyPr>
+          <a:lstStyle/>
+          <a:p>
+            <a:r>
+              <a:rPr lang="zh-CN" altLang="en-US"/>
+              <a:t>是好的产品要能看到未来啊 ,</a:t>
+            </a:r>
+          </a:p>
+        </p:txBody>
+      </p:sp>
+    </p:spTree>
+    <p:extLst>
+      <p:ext uri="{BB962C8B-B14F-4D97-AF65-F5344CB8AC3E}">
+        <p14:creationId xmlns:p14="http://schemas.microsoft.com/office/powerpoint/2010/main" val="1923907603"/>
+      </p:ext>
+    </p:extLst>
+  </p:cSld>
+  <p:clrMapOvr>
+    <a:masterClrMapping/>
+  </p:clrMapOvr>
+</p:sld>
+</file>
+
+<file path=ppt/slides/slide16.xml><?xml version="1.0" encoding="utf-8"?>
+<p:sld xmlns:a="http://schemas.openxmlformats.org/drawingml/2006/main" xmlns:r="http://schemas.openxmlformats.org/officeDocument/2006/relationships" xmlns:p="http://schemas.openxmlformats.org/presentationml/2006/main">
+  <p:cSld>
+    <p:spTree>
+      <p:nvGrpSpPr>
+        <p:cNvPr id="1" name=""/>
+        <p:cNvGrpSpPr/>
+        <p:nvPr/>
+      </p:nvGrpSpPr>
+      <p:grpSpPr>
+        <a:xfrm>
+          <a:off x="0" y="0"/>
+          <a:ext cx="0" cy="0"/>
+          <a:chOff x="0" y="0"/>
+          <a:chExt cx="0" cy="0"/>
+        </a:xfrm>
+      </p:grpSpPr>
+      <p:sp>
+        <p:nvSpPr>
+          <p:cNvPr id="2" name="标题 1"/>
+          <p:cNvSpPr>
+            <a:spLocks noGrp="1"/>
+          </p:cNvSpPr>
+          <p:nvPr>
+            <p:ph type="title"/>
+          </p:nvPr>
+        </p:nvSpPr>
+        <p:spPr/>
+        <p:txBody>
+          <a:bodyPr/>
+          <a:lstStyle/>
+          <a:p>
+            <a:r>
+              <a:rPr kumimoji="1" lang="zh-CN" altLang="en-US" dirty="0" smtClean="0"/>
+              <a:t>天下武功为快不破</a:t>
+            </a:r>
+            <a:r>
+              <a:rPr kumimoji="1" lang="en-US" altLang="zh-CN" smtClean="0"/>
+              <a:t/>
+            </a:r>
+            <a:br>
+              <a:rPr kumimoji="1" lang="en-US" altLang="zh-CN" smtClean="0"/>
+            </a:br>
+            <a:endParaRPr kumimoji="1" lang="zh-CN" altLang="en-US"/>
+          </a:p>
+        </p:txBody>
+      </p:sp>
+      <p:sp>
+        <p:nvSpPr>
+          <p:cNvPr id="3" name="内容占位符 2"/>
+          <p:cNvSpPr>
+            <a:spLocks noGrp="1"/>
+          </p:cNvSpPr>
+          <p:nvPr>
+            <p:ph idx="1"/>
+          </p:nvPr>
+        </p:nvSpPr>
+        <p:spPr/>
+        <p:txBody>
+          <a:bodyPr/>
+          <a:lstStyle/>
+          <a:p>
+            <a:endParaRPr kumimoji="1" lang="zh-CN" altLang="en-US"/>
+          </a:p>
+        </p:txBody>
+      </p:sp>
+    </p:spTree>
+    <p:extLst>
+      <p:ext uri="{BB962C8B-B14F-4D97-AF65-F5344CB8AC3E}">
+        <p14:creationId xmlns:p14="http://schemas.microsoft.com/office/powerpoint/2010/main" val="281262999"/>
+      </p:ext>
+    </p:extLst>
+  </p:cSld>
+  <p:clrMapOvr>
+    <a:masterClrMapping/>
+  </p:clrMapOvr>
+</p:sld>
+</file>
+
+<file path=ppt/slides/slide17.xml><?xml version="1.0" encoding="utf-8"?>
+<p:sld xmlns:a="http://schemas.openxmlformats.org/drawingml/2006/main" xmlns:r="http://schemas.openxmlformats.org/officeDocument/2006/relationships" xmlns:p="http://schemas.openxmlformats.org/presentationml/2006/main">
+  <p:cSld>
+    <p:spTree>
+      <p:nvGrpSpPr>
+        <p:cNvPr id="1" name=""/>
+        <p:cNvGrpSpPr/>
+        <p:nvPr/>
+      </p:nvGrpSpPr>
+      <p:grpSpPr>
+        <a:xfrm>
+          <a:off x="0" y="0"/>
+          <a:ext cx="0" cy="0"/>
+          <a:chOff x="0" y="0"/>
+          <a:chExt cx="0" cy="0"/>
+        </a:xfrm>
+      </p:grpSpPr>
+      <p:sp>
+        <p:nvSpPr>
           <p:cNvPr id="2" name="标题 1"/>
           <p:cNvSpPr>
             <a:spLocks noGrp="1"/>
@@ -4024,7 +4368,7 @@
 </p:sld>
 </file>
 
-<file path=ppt/slides/slide16.xml><?xml version="1.0" encoding="utf-8"?>
+<file path=ppt/slides/slide18.xml><?xml version="1.0" encoding="utf-8"?>
 <p:sld xmlns:a="http://schemas.openxmlformats.org/drawingml/2006/main" xmlns:r="http://schemas.openxmlformats.org/officeDocument/2006/relationships" xmlns:p="http://schemas.openxmlformats.org/presentationml/2006/main">
   <p:cSld>
     <p:spTree>
@@ -4158,44 +4502,189 @@
       </p:grpSpPr>
       <p:sp>
         <p:nvSpPr>
-          <p:cNvPr id="2" name="标题 1"/>
-          <p:cNvSpPr>
-            <a:spLocks noGrp="1"/>
-          </p:cNvSpPr>
-          <p:nvPr>
-            <p:ph type="ctrTitle"/>
-          </p:nvPr>
-        </p:nvSpPr>
-        <p:spPr/>
-        <p:txBody>
-          <a:bodyPr/>
-          <a:lstStyle/>
-          <a:p>
-            <a:r>
-              <a:rPr kumimoji="1" lang="zh-CN" altLang="en-US" dirty="0" smtClean="0"/>
-              <a:t>流程</a:t>
-            </a:r>
-            <a:r>
-              <a:rPr kumimoji="1" lang="en-US" altLang="zh-CN" dirty="0" smtClean="0"/>
-              <a:t/>
-            </a:r>
-            <a:br>
-              <a:rPr kumimoji="1" lang="en-US" altLang="zh-CN" dirty="0" smtClean="0"/>
-            </a:br>
-            <a:endParaRPr kumimoji="1" lang="zh-CN" altLang="en-US" dirty="0"/>
-          </a:p>
-        </p:txBody>
-      </p:sp>
-      <p:sp>
-        <p:nvSpPr>
-          <p:cNvPr id="3" name="文本框 2"/>
+          <p:cNvPr id="3" name="内容占位符 2"/>
+          <p:cNvSpPr>
+            <a:spLocks noGrp="1"/>
+          </p:cNvSpPr>
+          <p:nvPr>
+            <p:ph idx="1"/>
+          </p:nvPr>
+        </p:nvSpPr>
+        <p:spPr>
+          <a:xfrm>
+            <a:off x="732182" y="725696"/>
+            <a:ext cx="10515600" cy="970583"/>
+          </a:xfrm>
+        </p:spPr>
+        <p:txBody>
+          <a:bodyPr>
+            <a:noAutofit/>
+          </a:bodyPr>
+          <a:lstStyle/>
+          <a:p>
+            <a:pPr marL="0" marR="0" lvl="0" indent="0" algn="ctr" defTabSz="914400" eaLnBrk="1" fontAlgn="auto" latinLnBrk="0" hangingPunct="1">
+              <a:lnSpc>
+                <a:spcPct val="100000"/>
+              </a:lnSpc>
+              <a:spcBef>
+                <a:spcPts val="0"/>
+              </a:spcBef>
+              <a:spcAft>
+                <a:spcPts val="0"/>
+              </a:spcAft>
+              <a:buClrTx/>
+              <a:buSzTx/>
+              <a:buFontTx/>
+              <a:buNone/>
+              <a:tabLst/>
+              <a:defRPr/>
+            </a:pPr>
+            <a:r>
+              <a:rPr kumimoji="1" lang="en-US" altLang="zh-CN" sz="4400" b="1" dirty="0" smtClean="0">
+                <a:solidFill>
+                  <a:schemeClr val="accent1">
+                    <a:lumMod val="75000"/>
+                  </a:schemeClr>
+                </a:solidFill>
+              </a:rPr>
+              <a:t>APP</a:t>
+            </a:r>
+            <a:r>
+              <a:rPr kumimoji="1" lang="zh-CN" altLang="en-US" sz="4400" b="1" dirty="0" smtClean="0">
+                <a:solidFill>
+                  <a:schemeClr val="accent1">
+                    <a:lumMod val="75000"/>
+                  </a:schemeClr>
+                </a:solidFill>
+              </a:rPr>
+              <a:t>已死</a:t>
+            </a:r>
+            <a:r>
+              <a:rPr kumimoji="1" lang="en-US" altLang="zh-CN" sz="4400" b="1" dirty="0" smtClean="0">
+                <a:solidFill>
+                  <a:schemeClr val="accent1">
+                    <a:lumMod val="75000"/>
+                  </a:schemeClr>
+                </a:solidFill>
+              </a:rPr>
+              <a:t>,</a:t>
+            </a:r>
+            <a:r>
+              <a:rPr kumimoji="1" lang="zh-CN" altLang="en-US" sz="4400" b="1" dirty="0" smtClean="0">
+                <a:solidFill>
+                  <a:schemeClr val="accent1">
+                    <a:lumMod val="75000"/>
+                  </a:schemeClr>
+                </a:solidFill>
+              </a:rPr>
+              <a:t>服务永生</a:t>
+            </a:r>
+            <a:endParaRPr kumimoji="1" lang="zh-CN" altLang="en-US" sz="4400" b="1" dirty="0">
+              <a:solidFill>
+                <a:schemeClr val="accent1">
+                  <a:lumMod val="75000"/>
+                </a:schemeClr>
+              </a:solidFill>
+            </a:endParaRPr>
+          </a:p>
+        </p:txBody>
+      </p:sp>
+      <p:sp>
+        <p:nvSpPr>
+          <p:cNvPr id="4" name="矩形 3"/>
+          <p:cNvSpPr/>
+          <p:nvPr/>
+        </p:nvSpPr>
+        <p:spPr>
+          <a:xfrm>
+            <a:off x="6933720" y="1736036"/>
+            <a:ext cx="2114681" cy="369332"/>
+          </a:xfrm>
+          <a:prstGeom prst="rect">
+            <a:avLst/>
+          </a:prstGeom>
+        </p:spPr>
+        <p:txBody>
+          <a:bodyPr wrap="none">
+            <a:spAutoFit/>
+          </a:bodyPr>
+          <a:lstStyle/>
+          <a:p>
+            <a:r>
+              <a:rPr lang="zh-CN" altLang="en-US" dirty="0">
+                <a:solidFill>
+                  <a:prstClr val="black"/>
+                </a:solidFill>
+                <a:latin typeface="Verdana" charset="0"/>
+              </a:rPr>
+              <a:t>王斌</a:t>
+            </a:r>
+            <a:r>
+              <a:rPr lang="en-US" altLang="zh-CN" dirty="0">
+                <a:solidFill>
+                  <a:prstClr val="black"/>
+                </a:solidFill>
+                <a:latin typeface="Verdana" charset="0"/>
+              </a:rPr>
+              <a:t>,</a:t>
+            </a:r>
+            <a:r>
+              <a:rPr lang="zh-CN" altLang="en-US" dirty="0">
+                <a:solidFill>
+                  <a:prstClr val="black"/>
+                </a:solidFill>
+                <a:latin typeface="Verdana" charset="0"/>
+              </a:rPr>
+              <a:t>笔名磐石之心</a:t>
+            </a:r>
+            <a:endParaRPr lang="zh-CN" altLang="en-US" dirty="0"/>
+          </a:p>
+        </p:txBody>
+      </p:sp>
+      <p:sp>
+        <p:nvSpPr>
+          <p:cNvPr id="6" name="矩形 5"/>
+          <p:cNvSpPr/>
+          <p:nvPr/>
+        </p:nvSpPr>
+        <p:spPr>
+          <a:xfrm>
+            <a:off x="9048401" y="1736036"/>
+            <a:ext cx="2262158" cy="369332"/>
+          </a:xfrm>
+          <a:prstGeom prst="rect">
+            <a:avLst/>
+          </a:prstGeom>
+        </p:spPr>
+        <p:txBody>
+          <a:bodyPr wrap="none">
+            <a:spAutoFit/>
+          </a:bodyPr>
+          <a:lstStyle/>
+          <a:p>
+            <a:r>
+              <a:rPr lang="zh-CN" altLang="en-US" dirty="0">
+                <a:solidFill>
+                  <a:prstClr val="black"/>
+                </a:solidFill>
+                <a:latin typeface="Verdana" charset="0"/>
+              </a:rPr>
+              <a:t>移动互联网资深顾问</a:t>
+            </a:r>
+            <a:endParaRPr lang="zh-CN" altLang="en-US" dirty="0"/>
+          </a:p>
+        </p:txBody>
+      </p:sp>
+      <p:sp>
+        <p:nvSpPr>
+          <p:cNvPr id="7" name="文本框 6"/>
           <p:cNvSpPr txBox="1"/>
           <p:nvPr/>
         </p:nvSpPr>
         <p:spPr>
           <a:xfrm>
-            <a:off x="1662545" y="3883231"/>
-            <a:ext cx="2613216" cy="369332"/>
+            <a:off x="1497497" y="2305878"/>
+            <a:ext cx="1789044" cy="369332"/>
           </a:xfrm>
           <a:prstGeom prst="rect">
             <a:avLst/>
@@ -4203,30 +4692,134 @@
           <a:noFill/>
         </p:spPr>
         <p:txBody>
+          <a:bodyPr wrap="square" rtlCol="0">
+            <a:spAutoFit/>
+          </a:bodyPr>
+          <a:lstStyle/>
+          <a:p>
+            <a:r>
+              <a:rPr kumimoji="1" lang="zh-CN" altLang="en-US" dirty="0" smtClean="0"/>
+              <a:t>提到了几个案例</a:t>
+            </a:r>
+            <a:endParaRPr kumimoji="1" lang="zh-CN" altLang="en-US" dirty="0"/>
+          </a:p>
+        </p:txBody>
+      </p:sp>
+      <p:sp>
+        <p:nvSpPr>
+          <p:cNvPr id="8" name="文本框 7"/>
+          <p:cNvSpPr txBox="1"/>
+          <p:nvPr/>
+        </p:nvSpPr>
+        <p:spPr>
+          <a:xfrm>
+            <a:off x="2392019" y="4002157"/>
+            <a:ext cx="1338828" cy="369332"/>
+          </a:xfrm>
+          <a:prstGeom prst="rect">
+            <a:avLst/>
+          </a:prstGeom>
+          <a:noFill/>
+        </p:spPr>
+        <p:txBody>
           <a:bodyPr wrap="none" rtlCol="0">
             <a:spAutoFit/>
           </a:bodyPr>
           <a:lstStyle/>
           <a:p>
             <a:r>
-              <a:rPr kumimoji="1" lang="en-US" altLang="zh-CN" dirty="0" smtClean="0"/>
-              <a:t>1.</a:t>
-            </a:r>
-            <a:r>
-              <a:rPr kumimoji="1" lang="zh-CN" altLang="en-US" dirty="0" smtClean="0"/>
-              <a:t>什么是一个</a:t>
-            </a:r>
-            <a:r>
-              <a:rPr kumimoji="1" lang="en-US" altLang="zh-CN" dirty="0" smtClean="0"/>
-              <a:t>app</a:t>
-            </a:r>
-            <a:r>
-              <a:rPr kumimoji="1" lang="zh-CN" altLang="en-US" dirty="0" smtClean="0"/>
-              <a:t>   </a:t>
-            </a:r>
-            <a:r>
-              <a:rPr kumimoji="1" lang="en-US" altLang="zh-CN" dirty="0" smtClean="0"/>
-              <a:t>5w2h</a:t>
+              <a:rPr lang="zh-CN" altLang="en-US" dirty="0" smtClean="0"/>
+              <a:t>雕爷的案例</a:t>
+            </a:r>
+            <a:endParaRPr kumimoji="1" lang="zh-CN" altLang="en-US" dirty="0"/>
+          </a:p>
+        </p:txBody>
+      </p:sp>
+      <p:sp>
+        <p:nvSpPr>
+          <p:cNvPr id="9" name="文本框 8"/>
+          <p:cNvSpPr txBox="1"/>
+          <p:nvPr/>
+        </p:nvSpPr>
+        <p:spPr>
+          <a:xfrm>
+            <a:off x="4846320" y="3438144"/>
+            <a:ext cx="1107996" cy="369332"/>
+          </a:xfrm>
+          <a:prstGeom prst="rect">
+            <a:avLst/>
+          </a:prstGeom>
+          <a:noFill/>
+        </p:spPr>
+        <p:txBody>
+          <a:bodyPr wrap="none" rtlCol="0">
+            <a:spAutoFit/>
+          </a:bodyPr>
+          <a:lstStyle/>
+          <a:p>
+            <a:r>
+              <a:rPr lang="zh-CN" altLang="en-US" dirty="0"/>
+              <a:t>面膜微商</a:t>
+            </a:r>
+            <a:endParaRPr kumimoji="1" lang="zh-CN" altLang="en-US" dirty="0"/>
+          </a:p>
+        </p:txBody>
+      </p:sp>
+      <p:sp>
+        <p:nvSpPr>
+          <p:cNvPr id="10" name="文本框 9"/>
+          <p:cNvSpPr txBox="1"/>
+          <p:nvPr/>
+        </p:nvSpPr>
+        <p:spPr>
+          <a:xfrm>
+            <a:off x="3383280" y="2999232"/>
+            <a:ext cx="646331" cy="369332"/>
+          </a:xfrm>
+          <a:prstGeom prst="rect">
+            <a:avLst/>
+          </a:prstGeom>
+          <a:noFill/>
+        </p:spPr>
+        <p:txBody>
+          <a:bodyPr wrap="none" rtlCol="0">
+            <a:spAutoFit/>
+          </a:bodyPr>
+          <a:lstStyle/>
+          <a:p>
+            <a:r>
+              <a:rPr kumimoji="1" lang="zh-CN" altLang="en-US" smtClean="0"/>
+              <a:t>小米</a:t>
+            </a:r>
+            <a:endParaRPr kumimoji="1" lang="zh-CN" altLang="en-US"/>
+          </a:p>
+        </p:txBody>
+      </p:sp>
+      <p:sp>
+        <p:nvSpPr>
+          <p:cNvPr id="11" name="文本框 10"/>
+          <p:cNvSpPr txBox="1"/>
+          <p:nvPr/>
+        </p:nvSpPr>
+        <p:spPr>
+          <a:xfrm>
+            <a:off x="8412480" y="4498848"/>
+            <a:ext cx="877163" cy="369332"/>
+          </a:xfrm>
+          <a:prstGeom prst="rect">
+            <a:avLst/>
+          </a:prstGeom>
+          <a:noFill/>
+        </p:spPr>
+        <p:txBody>
+          <a:bodyPr wrap="none" rtlCol="0">
+            <a:spAutoFit/>
+          </a:bodyPr>
+          <a:lstStyle/>
+          <a:p>
+            <a:r>
+              <a:rPr lang="zh-CN" altLang="en-US" dirty="0"/>
+              <a:t>优衣库</a:t>
             </a:r>
             <a:endParaRPr kumimoji="1" lang="zh-CN" altLang="en-US" dirty="0"/>
           </a:p>
@@ -4235,7 +4828,7 @@
     </p:spTree>
     <p:extLst>
       <p:ext uri="{BB962C8B-B14F-4D97-AF65-F5344CB8AC3E}">
-        <p14:creationId xmlns:p14="http://schemas.microsoft.com/office/powerpoint/2010/main" val="880459683"/>
+        <p14:creationId xmlns:p14="http://schemas.microsoft.com/office/powerpoint/2010/main" val="1498958249"/>
       </p:ext>
     </p:extLst>
   </p:cSld>
@@ -4264,31 +4857,143 @@
       </p:grpSpPr>
       <p:sp>
         <p:nvSpPr>
-          <p:cNvPr id="2" name="标题 1"/>
-          <p:cNvSpPr>
-            <a:spLocks noGrp="1"/>
-          </p:cNvSpPr>
-          <p:nvPr>
-            <p:ph type="ctrTitle"/>
-          </p:nvPr>
-        </p:nvSpPr>
-        <p:spPr/>
-        <p:txBody>
-          <a:bodyPr/>
-          <a:lstStyle/>
-          <a:p>
-            <a:r>
-              <a:rPr kumimoji="1" lang="zh-CN" altLang="en-US" dirty="0" smtClean="0"/>
-              <a:t>一个产品要包括那些东西</a:t>
-            </a:r>
-            <a:endParaRPr kumimoji="1" lang="zh-CN" altLang="en-US" dirty="0"/>
+          <p:cNvPr id="4" name="矩形 3"/>
+          <p:cNvSpPr/>
+          <p:nvPr/>
+        </p:nvSpPr>
+        <p:spPr>
+          <a:xfrm>
+            <a:off x="0" y="0"/>
+            <a:ext cx="12192000" cy="6186309"/>
+          </a:xfrm>
+          <a:prstGeom prst="rect">
+            <a:avLst/>
+          </a:prstGeom>
+        </p:spPr>
+        <p:txBody>
+          <a:bodyPr wrap="square">
+            <a:spAutoFit/>
+          </a:bodyPr>
+          <a:lstStyle/>
+          <a:p>
+            <a:r>
+              <a:rPr lang="zh-CN" altLang="en-US" sz="3600" dirty="0">
+                <a:solidFill>
+                  <a:srgbClr val="535353"/>
+                </a:solidFill>
+                <a:latin typeface="Verdana" charset="0"/>
+              </a:rPr>
+              <a:t>商业的本质永远都不会改变，互联网只是一种工具，仅此而已。马云在世界互联网大会上说</a:t>
+            </a:r>
+            <a:r>
+              <a:rPr lang="en-US" altLang="zh-CN" sz="3600" dirty="0">
+                <a:solidFill>
+                  <a:srgbClr val="535353"/>
+                </a:solidFill>
+                <a:latin typeface="Verdana" charset="0"/>
+              </a:rPr>
+              <a:t>: </a:t>
+            </a:r>
+            <a:r>
+              <a:rPr lang="zh-CN" altLang="en-US" sz="3600" dirty="0">
+                <a:solidFill>
+                  <a:srgbClr val="535353"/>
+                </a:solidFill>
+                <a:latin typeface="Verdana" charset="0"/>
+              </a:rPr>
+              <a:t>你做任何事情，客户首先要赢，第二个</a:t>
+            </a:r>
+            <a:r>
+              <a:rPr lang="en-US" altLang="zh-CN" sz="3600" dirty="0">
+                <a:solidFill>
+                  <a:srgbClr val="535353"/>
+                </a:solidFill>
+                <a:latin typeface="Verdana" charset="0"/>
+              </a:rPr>
+              <a:t>Win</a:t>
+            </a:r>
+            <a:r>
+              <a:rPr lang="zh-CN" altLang="en-US" sz="3600" dirty="0">
+                <a:solidFill>
+                  <a:srgbClr val="535353"/>
+                </a:solidFill>
+                <a:latin typeface="Verdana" charset="0"/>
+              </a:rPr>
+              <a:t>，合作伙伴一定要赢，第三你要赢。</a:t>
+            </a:r>
+            <a:r>
+              <a:rPr lang="en-US" altLang="zh-CN" sz="3600" dirty="0">
+                <a:solidFill>
+                  <a:srgbClr val="535353"/>
+                </a:solidFill>
+                <a:latin typeface="Verdana" charset="0"/>
+              </a:rPr>
+              <a:t>IT</a:t>
+            </a:r>
+            <a:r>
+              <a:rPr lang="zh-CN" altLang="en-US" sz="3600" dirty="0">
+                <a:solidFill>
+                  <a:srgbClr val="535353"/>
+                </a:solidFill>
+                <a:latin typeface="Verdana" charset="0"/>
+              </a:rPr>
+              <a:t>技术和</a:t>
+            </a:r>
+            <a:r>
+              <a:rPr lang="en-US" altLang="zh-CN" sz="3600" dirty="0">
+                <a:solidFill>
+                  <a:srgbClr val="535353"/>
+                </a:solidFill>
+                <a:latin typeface="Verdana" charset="0"/>
+              </a:rPr>
+              <a:t>Data</a:t>
+            </a:r>
+            <a:r>
+              <a:rPr lang="zh-CN" altLang="en-US" sz="3600" dirty="0">
+                <a:solidFill>
+                  <a:srgbClr val="535353"/>
+                </a:solidFill>
+                <a:latin typeface="Verdana" charset="0"/>
+              </a:rPr>
+              <a:t>技术是有巨大的差异，</a:t>
+            </a:r>
+            <a:r>
+              <a:rPr lang="en-US" altLang="zh-CN" sz="3600" dirty="0">
+                <a:solidFill>
+                  <a:srgbClr val="535353"/>
+                </a:solidFill>
+                <a:latin typeface="Verdana" charset="0"/>
+              </a:rPr>
+              <a:t>Data</a:t>
+            </a:r>
+            <a:r>
+              <a:rPr lang="zh-CN" altLang="en-US" sz="3600" dirty="0">
+                <a:solidFill>
+                  <a:srgbClr val="535353"/>
+                </a:solidFill>
+                <a:latin typeface="Verdana" charset="0"/>
+              </a:rPr>
+              <a:t>技术的核心，也就是互联网这一世纪最了不起的东西，利他主义。</a:t>
+            </a:r>
+          </a:p>
+          <a:p>
+            <a:r>
+              <a:rPr lang="zh-CN" altLang="en-US" sz="3600" dirty="0">
+                <a:solidFill>
+                  <a:srgbClr val="535353"/>
+                </a:solidFill>
+                <a:latin typeface="Verdana" charset="0"/>
+              </a:rPr>
+              <a:t>客户要赢、利他，其实是最朴素的商业之道，也是商业的本质；简单讲，就是不要以为别人都是傻子，不要耍小聪明给用户、客户下互联网的迷魂药。任正非说，别管什么互联网思维，你做的汽车首先要是汽车，轮子首先要是轮子。一切都会回归本质，在浮躁的互联网与传统产业融合时代，创业者和企业不要失去本心，否则互联网就是毒药。</a:t>
+            </a:r>
+            <a:endParaRPr lang="zh-CN" altLang="en-US" sz="3600" dirty="0"/>
           </a:p>
         </p:txBody>
       </p:sp>
     </p:spTree>
     <p:extLst>
       <p:ext uri="{BB962C8B-B14F-4D97-AF65-F5344CB8AC3E}">
-        <p14:creationId xmlns:p14="http://schemas.microsoft.com/office/powerpoint/2010/main" val="853784642"/>
+        <p14:creationId xmlns:p14="http://schemas.microsoft.com/office/powerpoint/2010/main" val="631080528"/>
       </p:ext>
     </p:extLst>
   </p:cSld>
@@ -4332,7 +5037,48 @@
           <a:p>
             <a:r>
               <a:rPr kumimoji="1" lang="zh-CN" altLang="en-US" dirty="0" smtClean="0"/>
-              <a:t>优秀</a:t>
+              <a:t>流程</a:t>
+            </a:r>
+            <a:r>
+              <a:rPr kumimoji="1" lang="en-US" altLang="zh-CN" dirty="0" smtClean="0"/>
+              <a:t/>
+            </a:r>
+            <a:br>
+              <a:rPr kumimoji="1" lang="en-US" altLang="zh-CN" dirty="0" smtClean="0"/>
+            </a:br>
+            <a:endParaRPr kumimoji="1" lang="zh-CN" altLang="en-US" dirty="0"/>
+          </a:p>
+        </p:txBody>
+      </p:sp>
+      <p:sp>
+        <p:nvSpPr>
+          <p:cNvPr id="3" name="文本框 2"/>
+          <p:cNvSpPr txBox="1"/>
+          <p:nvPr/>
+        </p:nvSpPr>
+        <p:spPr>
+          <a:xfrm>
+            <a:off x="1662545" y="3883231"/>
+            <a:ext cx="2613216" cy="369332"/>
+          </a:xfrm>
+          <a:prstGeom prst="rect">
+            <a:avLst/>
+          </a:prstGeom>
+          <a:noFill/>
+        </p:spPr>
+        <p:txBody>
+          <a:bodyPr wrap="none" rtlCol="0">
+            <a:spAutoFit/>
+          </a:bodyPr>
+          <a:lstStyle/>
+          <a:p>
+            <a:r>
+              <a:rPr kumimoji="1" lang="en-US" altLang="zh-CN" dirty="0" smtClean="0"/>
+              <a:t>1.</a:t>
+            </a:r>
+            <a:r>
+              <a:rPr kumimoji="1" lang="zh-CN" altLang="en-US" dirty="0" smtClean="0"/>
+              <a:t>什么是一个</a:t>
             </a:r>
             <a:r>
               <a:rPr kumimoji="1" lang="en-US" altLang="zh-CN" dirty="0" smtClean="0"/>
@@ -4340,35 +5086,20 @@
             </a:r>
             <a:r>
               <a:rPr kumimoji="1" lang="zh-CN" altLang="en-US" dirty="0" smtClean="0"/>
-              <a:t>的坚持</a:t>
+              <a:t>   </a:t>
+            </a:r>
+            <a:r>
+              <a:rPr kumimoji="1" lang="en-US" altLang="zh-CN" dirty="0" smtClean="0"/>
+              <a:t>5w2h</a:t>
             </a:r>
             <a:endParaRPr kumimoji="1" lang="zh-CN" altLang="en-US" dirty="0"/>
-          </a:p>
-        </p:txBody>
-      </p:sp>
-      <p:sp>
-        <p:nvSpPr>
-          <p:cNvPr id="3" name="副标题 2"/>
-          <p:cNvSpPr>
-            <a:spLocks noGrp="1"/>
-          </p:cNvSpPr>
-          <p:nvPr>
-            <p:ph type="subTitle" idx="1"/>
-          </p:nvPr>
-        </p:nvSpPr>
-        <p:spPr/>
-        <p:txBody>
-          <a:bodyPr/>
-          <a:lstStyle/>
-          <a:p>
-            <a:endParaRPr kumimoji="1" lang="zh-CN" altLang="en-US"/>
           </a:p>
         </p:txBody>
       </p:sp>
     </p:spTree>
     <p:extLst>
       <p:ext uri="{BB962C8B-B14F-4D97-AF65-F5344CB8AC3E}">
-        <p14:creationId xmlns:p14="http://schemas.microsoft.com/office/powerpoint/2010/main" val="224731802"/>
+        <p14:creationId xmlns:p14="http://schemas.microsoft.com/office/powerpoint/2010/main" val="880459683"/>
       </p:ext>
     </p:extLst>
   </p:cSld>
@@ -4412,27 +5143,8 @@
           <a:p>
             <a:r>
               <a:rPr kumimoji="1" lang="zh-CN" altLang="en-US" dirty="0" smtClean="0"/>
-              <a:t>针对把用户当傻瓜的讨论</a:t>
-            </a:r>
-            <a:endParaRPr kumimoji="1" lang="zh-CN" altLang="en-US" dirty="0"/>
-          </a:p>
-        </p:txBody>
-      </p:sp>
-      <p:sp>
-        <p:nvSpPr>
-          <p:cNvPr id="3" name="副标题 2"/>
-          <p:cNvSpPr>
-            <a:spLocks noGrp="1"/>
-          </p:cNvSpPr>
-          <p:nvPr>
-            <p:ph type="subTitle" idx="1"/>
-          </p:nvPr>
-        </p:nvSpPr>
-        <p:spPr/>
-        <p:txBody>
-          <a:bodyPr/>
-          <a:lstStyle/>
-          <a:p>
+              <a:t>一个产品要包括那些东西</a:t>
+            </a:r>
             <a:endParaRPr kumimoji="1" lang="zh-CN" altLang="en-US" dirty="0"/>
           </a:p>
         </p:txBody>
@@ -4440,7 +5152,7 @@
     </p:spTree>
     <p:extLst>
       <p:ext uri="{BB962C8B-B14F-4D97-AF65-F5344CB8AC3E}">
-        <p14:creationId xmlns:p14="http://schemas.microsoft.com/office/powerpoint/2010/main" val="1530290775"/>
+        <p14:creationId xmlns:p14="http://schemas.microsoft.com/office/powerpoint/2010/main" val="853784642"/>
       </p:ext>
     </p:extLst>
   </p:cSld>
@@ -4484,68 +5196,7 @@
           <a:p>
             <a:r>
               <a:rPr kumimoji="1" lang="zh-CN" altLang="en-US" dirty="0" smtClean="0"/>
-              <a:t>教育行业未来的思考</a:t>
-            </a:r>
-            <a:endParaRPr kumimoji="1" lang="zh-CN" altLang="en-US" dirty="0"/>
-          </a:p>
-        </p:txBody>
-      </p:sp>
-      <p:sp>
-        <p:nvSpPr>
-          <p:cNvPr id="3" name="副标题 2"/>
-          <p:cNvSpPr>
-            <a:spLocks noGrp="1"/>
-          </p:cNvSpPr>
-          <p:nvPr>
-            <p:ph type="subTitle" idx="1"/>
-          </p:nvPr>
-        </p:nvSpPr>
-        <p:spPr/>
-        <p:txBody>
-          <a:bodyPr/>
-          <a:lstStyle/>
-          <a:p>
-            <a:r>
-              <a:rPr kumimoji="1" lang="en-US" altLang="zh-CN" dirty="0"/>
-              <a:t>https://</a:t>
-            </a:r>
-            <a:r>
-              <a:rPr kumimoji="1" lang="en-US" altLang="zh-CN" dirty="0" err="1" smtClean="0"/>
-              <a:t>wenku.baidu.com</a:t>
-            </a:r>
-            <a:r>
-              <a:rPr kumimoji="1" lang="en-US" altLang="zh-CN" dirty="0" smtClean="0"/>
-              <a:t>/view/bdd06fab1eb91a37f0115c5c.html?from=search</a:t>
-            </a:r>
-            <a:endParaRPr kumimoji="1" lang="zh-CN" altLang="en-US" dirty="0"/>
-          </a:p>
-        </p:txBody>
-      </p:sp>
-      <p:sp>
-        <p:nvSpPr>
-          <p:cNvPr id="4" name="文本框 3"/>
-          <p:cNvSpPr txBox="1"/>
-          <p:nvPr/>
-        </p:nvSpPr>
-        <p:spPr>
-          <a:xfrm>
-            <a:off x="1948070" y="5075583"/>
-            <a:ext cx="1782860" cy="369332"/>
-          </a:xfrm>
-          <a:prstGeom prst="rect">
-            <a:avLst/>
-          </a:prstGeom>
-          <a:noFill/>
-        </p:spPr>
-        <p:txBody>
-          <a:bodyPr wrap="none" rtlCol="0">
-            <a:spAutoFit/>
-          </a:bodyPr>
-          <a:lstStyle/>
-          <a:p>
-            <a:r>
-              <a:rPr kumimoji="1" lang="zh-CN" altLang="en-US" dirty="0" smtClean="0"/>
-              <a:t>教育</a:t>
+              <a:t>优秀</a:t>
             </a:r>
             <a:r>
               <a:rPr kumimoji="1" lang="en-US" altLang="zh-CN" dirty="0" smtClean="0"/>
@@ -4553,16 +5204,35 @@
             </a:r>
             <a:r>
               <a:rPr kumimoji="1" lang="zh-CN" altLang="en-US" dirty="0" smtClean="0"/>
-              <a:t> 的分析</a:t>
-            </a:r>
-            <a:endParaRPr kumimoji="1" lang="en-US" altLang="zh-CN" dirty="0" smtClean="0"/>
+              <a:t>的坚持</a:t>
+            </a:r>
+            <a:endParaRPr kumimoji="1" lang="zh-CN" altLang="en-US" dirty="0"/>
+          </a:p>
+        </p:txBody>
+      </p:sp>
+      <p:sp>
+        <p:nvSpPr>
+          <p:cNvPr id="3" name="副标题 2"/>
+          <p:cNvSpPr>
+            <a:spLocks noGrp="1"/>
+          </p:cNvSpPr>
+          <p:nvPr>
+            <p:ph type="subTitle" idx="1"/>
+          </p:nvPr>
+        </p:nvSpPr>
+        <p:spPr/>
+        <p:txBody>
+          <a:bodyPr/>
+          <a:lstStyle/>
+          <a:p>
+            <a:endParaRPr kumimoji="1" lang="zh-CN" altLang="en-US"/>
           </a:p>
         </p:txBody>
       </p:sp>
     </p:spTree>
     <p:extLst>
       <p:ext uri="{BB962C8B-B14F-4D97-AF65-F5344CB8AC3E}">
-        <p14:creationId xmlns:p14="http://schemas.microsoft.com/office/powerpoint/2010/main" val="642258727"/>
+        <p14:creationId xmlns:p14="http://schemas.microsoft.com/office/powerpoint/2010/main" val="224731802"/>
       </p:ext>
     </p:extLst>
   </p:cSld>
@@ -4596,21 +5266,17 @@
             <a:spLocks noGrp="1"/>
           </p:cNvSpPr>
           <p:nvPr>
-            <p:ph type="title"/>
-          </p:nvPr>
-        </p:nvSpPr>
-        <p:spPr/>
-        <p:txBody>
-          <a:bodyPr/>
-          <a:lstStyle/>
-          <a:p>
-            <a:r>
-              <a:rPr kumimoji="1" lang="en-US" altLang="zh-CN" dirty="0" smtClean="0"/>
-              <a:t>App</a:t>
-            </a:r>
+            <p:ph type="ctrTitle"/>
+          </p:nvPr>
+        </p:nvSpPr>
+        <p:spPr/>
+        <p:txBody>
+          <a:bodyPr/>
+          <a:lstStyle/>
+          <a:p>
             <a:r>
               <a:rPr kumimoji="1" lang="zh-CN" altLang="en-US" dirty="0" smtClean="0"/>
-              <a:t>已死 服务永生</a:t>
+              <a:t>针对把用户当傻瓜的讨论</a:t>
             </a:r>
             <a:endParaRPr kumimoji="1" lang="zh-CN" altLang="en-US" dirty="0"/>
           </a:p>
@@ -4618,12 +5284,12 @@
       </p:sp>
       <p:sp>
         <p:nvSpPr>
-          <p:cNvPr id="3" name="内容占位符 2"/>
-          <p:cNvSpPr>
-            <a:spLocks noGrp="1"/>
-          </p:cNvSpPr>
-          <p:nvPr>
-            <p:ph idx="1"/>
+          <p:cNvPr id="3" name="副标题 2"/>
+          <p:cNvSpPr>
+            <a:spLocks noGrp="1"/>
+          </p:cNvSpPr>
+          <p:nvPr>
+            <p:ph type="subTitle" idx="1"/>
           </p:nvPr>
         </p:nvSpPr>
         <p:spPr/>
@@ -4638,7 +5304,7 @@
     </p:spTree>
     <p:extLst>
       <p:ext uri="{BB962C8B-B14F-4D97-AF65-F5344CB8AC3E}">
-        <p14:creationId xmlns:p14="http://schemas.microsoft.com/office/powerpoint/2010/main" val="612548922"/>
+        <p14:creationId xmlns:p14="http://schemas.microsoft.com/office/powerpoint/2010/main" val="1530290775"/>
       </p:ext>
     </p:extLst>
   </p:cSld>
@@ -4682,7 +5348,11 @@
           <a:p>
             <a:r>
               <a:rPr kumimoji="1" lang="zh-CN" altLang="en-US" dirty="0" smtClean="0"/>
-              <a:t>优秀</a:t>
+              <a:t>教育</a:t>
+            </a:r>
+            <a:r>
+              <a:rPr kumimoji="1" lang="zh-CN" altLang="en-US" dirty="0" smtClean="0"/>
+              <a:t>行业</a:t>
             </a:r>
             <a:r>
               <a:rPr kumimoji="1" lang="en-US" altLang="zh-CN" dirty="0" smtClean="0"/>
@@ -4690,7 +5360,11 @@
             </a:r>
             <a:r>
               <a:rPr kumimoji="1" lang="zh-CN" altLang="en-US" dirty="0" smtClean="0"/>
-              <a:t> 的分享</a:t>
+              <a:t>未来</a:t>
+            </a:r>
+            <a:r>
+              <a:rPr kumimoji="1" lang="zh-CN" altLang="en-US" dirty="0" smtClean="0"/>
+              <a:t>的思考</a:t>
             </a:r>
             <a:endParaRPr kumimoji="1" lang="zh-CN" altLang="en-US" dirty="0"/>
           </a:p>
@@ -4711,14 +5385,64 @@
           <a:bodyPr/>
           <a:lstStyle/>
           <a:p>
+            <a:r>
+              <a:rPr kumimoji="1" lang="en-US" altLang="zh-CN" dirty="0"/>
+              <a:t>https://</a:t>
+            </a:r>
+            <a:r>
+              <a:rPr kumimoji="1" lang="en-US" altLang="zh-CN" dirty="0" err="1" smtClean="0"/>
+              <a:t>wenku.baidu.com</a:t>
+            </a:r>
+            <a:r>
+              <a:rPr kumimoji="1" lang="en-US" altLang="zh-CN" dirty="0" smtClean="0"/>
+              <a:t>/view/bdd06fab1eb91a37f0115c5c.html?from=search</a:t>
+            </a:r>
             <a:endParaRPr kumimoji="1" lang="zh-CN" altLang="en-US" dirty="0"/>
+          </a:p>
+        </p:txBody>
+      </p:sp>
+      <p:sp>
+        <p:nvSpPr>
+          <p:cNvPr id="4" name="文本框 3"/>
+          <p:cNvSpPr txBox="1"/>
+          <p:nvPr/>
+        </p:nvSpPr>
+        <p:spPr>
+          <a:xfrm>
+            <a:off x="1948070" y="5075583"/>
+            <a:ext cx="1782860" cy="369332"/>
+          </a:xfrm>
+          <a:prstGeom prst="rect">
+            <a:avLst/>
+          </a:prstGeom>
+          <a:noFill/>
+        </p:spPr>
+        <p:txBody>
+          <a:bodyPr wrap="none" rtlCol="0">
+            <a:spAutoFit/>
+          </a:bodyPr>
+          <a:lstStyle/>
+          <a:p>
+            <a:r>
+              <a:rPr kumimoji="1" lang="zh-CN" altLang="en-US" dirty="0" smtClean="0"/>
+              <a:t>教育</a:t>
+            </a:r>
+            <a:r>
+              <a:rPr kumimoji="1" lang="en-US" altLang="zh-CN" dirty="0" smtClean="0"/>
+              <a:t>app</a:t>
+            </a:r>
+            <a:r>
+              <a:rPr kumimoji="1" lang="zh-CN" altLang="en-US" dirty="0" smtClean="0"/>
+              <a:t> 的分析</a:t>
+            </a:r>
+            <a:endParaRPr kumimoji="1" lang="en-US" altLang="zh-CN" dirty="0" smtClean="0"/>
           </a:p>
         </p:txBody>
       </p:sp>
     </p:spTree>
     <p:extLst>
       <p:ext uri="{BB962C8B-B14F-4D97-AF65-F5344CB8AC3E}">
-        <p14:creationId xmlns:p14="http://schemas.microsoft.com/office/powerpoint/2010/main" val="325458903"/>
+        <p14:creationId xmlns:p14="http://schemas.microsoft.com/office/powerpoint/2010/main" val="642258727"/>
       </p:ext>
     </p:extLst>
   </p:cSld>
@@ -4761,16 +5485,12 @@
           <a:lstStyle/>
           <a:p>
             <a:r>
+              <a:rPr kumimoji="1" lang="en-US" altLang="zh-CN" dirty="0" smtClean="0"/>
+              <a:t>App</a:t>
+            </a:r>
+            <a:r>
               <a:rPr kumimoji="1" lang="zh-CN" altLang="en-US" dirty="0" smtClean="0"/>
-              <a:t>司考</a:t>
-            </a:r>
-            <a:r>
-              <a:rPr kumimoji="1" lang="en-US" altLang="zh-CN" dirty="0" smtClean="0"/>
-              <a:t>app</a:t>
-            </a:r>
-            <a:r>
-              <a:rPr kumimoji="1" lang="zh-CN" altLang="en-US" smtClean="0"/>
-              <a:t>的分析</a:t>
+              <a:t>已死 服务永生</a:t>
             </a:r>
             <a:endParaRPr kumimoji="1" lang="zh-CN" altLang="en-US" dirty="0"/>
           </a:p>
@@ -4791,50 +5511,6 @@
           <a:bodyPr/>
           <a:lstStyle/>
           <a:p>
-            <a:r>
-              <a:rPr kumimoji="1" lang="en-US" altLang="zh-CN" dirty="0"/>
-              <a:t>https://</a:t>
-            </a:r>
-            <a:r>
-              <a:rPr kumimoji="1" lang="en-US" altLang="zh-CN" dirty="0" err="1"/>
-              <a:t>baijiahao.baidu.com</a:t>
-            </a:r>
-            <a:r>
-              <a:rPr kumimoji="1" lang="en-US" altLang="zh-CN" dirty="0"/>
-              <a:t>/</a:t>
-            </a:r>
-            <a:r>
-              <a:rPr kumimoji="1" lang="en-US" altLang="zh-CN" dirty="0" err="1"/>
-              <a:t>po</a:t>
-            </a:r>
-            <a:r>
-              <a:rPr kumimoji="1" lang="en-US" altLang="zh-CN" dirty="0"/>
-              <a:t>/feed/</a:t>
-            </a:r>
-            <a:r>
-              <a:rPr kumimoji="1" lang="en-US" altLang="zh-CN" dirty="0" err="1"/>
-              <a:t>share?wfr</a:t>
-            </a:r>
-            <a:r>
-              <a:rPr kumimoji="1" lang="en-US" altLang="zh-CN" dirty="0"/>
-              <a:t>=</a:t>
-            </a:r>
-            <a:r>
-              <a:rPr kumimoji="1" lang="en-US" altLang="zh-CN" dirty="0" err="1"/>
-              <a:t>spider&amp;for</a:t>
-            </a:r>
-            <a:r>
-              <a:rPr kumimoji="1" lang="en-US" altLang="zh-CN" dirty="0"/>
-              <a:t>=</a:t>
-            </a:r>
-            <a:r>
-              <a:rPr kumimoji="1" lang="en-US" altLang="zh-CN" dirty="0" err="1"/>
-              <a:t>pc&amp;context</a:t>
-            </a:r>
-            <a:r>
-              <a:rPr kumimoji="1" lang="en-US" altLang="zh-CN" dirty="0"/>
-              <a:t>=%7B%22sourceFrom%22%3A%22bjh%22%2C%22nid%22%3A%22news_3503589431928201289%22%7D</a:t>
-            </a:r>
             <a:endParaRPr kumimoji="1" lang="zh-CN" altLang="en-US" dirty="0"/>
           </a:p>
         </p:txBody>
@@ -4842,7 +5518,7 @@
     </p:spTree>
     <p:extLst>
       <p:ext uri="{BB962C8B-B14F-4D97-AF65-F5344CB8AC3E}">
-        <p14:creationId xmlns:p14="http://schemas.microsoft.com/office/powerpoint/2010/main" val="581462154"/>
+        <p14:creationId xmlns:p14="http://schemas.microsoft.com/office/powerpoint/2010/main" val="612548922"/>
       </p:ext>
     </p:extLst>
   </p:cSld>
